--- a/工业系统概论/课程方案/工业系统沙盘01-制造系统导言.pptx
+++ b/工业系统概论/课程方案/工业系统沙盘01-制造系统导言.pptx
@@ -5,7 +5,7 @@
     <p:sldMasterId id="2147483648" r:id="rId1"/>
   </p:sldMasterIdLst>
   <p:notesMasterIdLst>
-    <p:notesMasterId r:id="rId12"/>
+    <p:notesMasterId r:id="rId18"/>
   </p:notesMasterIdLst>
   <p:sldIdLst>
     <p:sldId id="256" r:id="rId2"/>
@@ -15,12 +15,18 @@
     <p:sldId id="277" r:id="rId6"/>
     <p:sldId id="273" r:id="rId7"/>
     <p:sldId id="274" r:id="rId8"/>
-    <p:sldId id="275" r:id="rId9"/>
-    <p:sldId id="278" r:id="rId10"/>
-    <p:sldId id="276" r:id="rId11"/>
+    <p:sldId id="279" r:id="rId9"/>
+    <p:sldId id="275" r:id="rId10"/>
+    <p:sldId id="280" r:id="rId11"/>
+    <p:sldId id="278" r:id="rId12"/>
+    <p:sldId id="281" r:id="rId13"/>
+    <p:sldId id="283" r:id="rId14"/>
+    <p:sldId id="282" r:id="rId15"/>
+    <p:sldId id="284" r:id="rId16"/>
+    <p:sldId id="276" r:id="rId17"/>
   </p:sldIdLst>
   <p:sldSz cx="12192000" cy="6858000"/>
-  <p:notesSz cx="6858000" cy="9144000"/>
+  <p:notesSz cx="6797675" cy="9928225"/>
   <p:defaultTextStyle>
     <a:defPPr>
       <a:defRPr lang="en-US"/>
@@ -159,7 +165,7 @@
         <p:spPr>
           <a:xfrm>
             <a:off x="0" y="0"/>
-            <a:ext cx="2971800" cy="458788"/>
+            <a:ext cx="2945659" cy="498135"/>
           </a:xfrm>
           <a:prstGeom prst="rect">
             <a:avLst/>
@@ -189,8 +195,8 @@
         </p:nvSpPr>
         <p:spPr>
           <a:xfrm>
-            <a:off x="3884613" y="0"/>
-            <a:ext cx="2971800" cy="458788"/>
+            <a:off x="3850443" y="0"/>
+            <a:ext cx="2945659" cy="498135"/>
           </a:xfrm>
           <a:prstGeom prst="rect">
             <a:avLst/>
@@ -206,7 +212,7 @@
           <a:p>
             <a:fld id="{0EA905B9-5A77-3949-9D50-CC0ACDE72614}" type="datetimeFigureOut">
               <a:rPr lang="en-US" smtClean="0"/>
-              <a:t>2/18/16</a:t>
+              <a:t>2/25/2016</a:t>
             </a:fld>
             <a:endParaRPr lang="en-US"/>
           </a:p>
@@ -224,8 +230,8 @@
         </p:nvSpPr>
         <p:spPr>
           <a:xfrm>
-            <a:off x="685800" y="1143000"/>
-            <a:ext cx="5486400" cy="3086100"/>
+            <a:off x="422275" y="1241425"/>
+            <a:ext cx="5953125" cy="3349625"/>
           </a:xfrm>
           <a:prstGeom prst="rect">
             <a:avLst/>
@@ -257,8 +263,8 @@
         </p:nvSpPr>
         <p:spPr>
           <a:xfrm>
-            <a:off x="685800" y="4400550"/>
-            <a:ext cx="5486400" cy="3600450"/>
+            <a:off x="679768" y="4777958"/>
+            <a:ext cx="5438140" cy="3909239"/>
           </a:xfrm>
           <a:prstGeom prst="rect">
             <a:avLst/>
@@ -317,8 +323,8 @@
         </p:nvSpPr>
         <p:spPr>
           <a:xfrm>
-            <a:off x="0" y="8685213"/>
-            <a:ext cx="2971800" cy="458787"/>
+            <a:off x="0" y="9430091"/>
+            <a:ext cx="2945659" cy="498134"/>
           </a:xfrm>
           <a:prstGeom prst="rect">
             <a:avLst/>
@@ -348,8 +354,8 @@
         </p:nvSpPr>
         <p:spPr>
           <a:xfrm>
-            <a:off x="3884613" y="8685213"/>
-            <a:ext cx="2971800" cy="458787"/>
+            <a:off x="3850443" y="9430091"/>
+            <a:ext cx="2945659" cy="498134"/>
           </a:xfrm>
           <a:prstGeom prst="rect">
             <a:avLst/>
@@ -1280,7 +1286,7 @@
           <a:p>
             <a:fld id="{274AC28A-37E9-1048-8179-C6852B53B05F}" type="datetime1">
               <a:rPr lang="en-US" smtClean="0"/>
-              <a:t>2/18/16</a:t>
+              <a:t>2/25/2016</a:t>
             </a:fld>
             <a:endParaRPr lang="en-US" dirty="0"/>
           </a:p>
@@ -1331,44 +1337,6 @@
               <a:t>‹#›</a:t>
             </a:fld>
             <a:endParaRPr lang="en-US" dirty="0"/>
-          </a:p>
-        </p:txBody>
-      </p:sp>
-      <p:sp>
-        <p:nvSpPr>
-          <p:cNvPr id="22" name="TextBox 21"/>
-          <p:cNvSpPr txBox="1"/>
-          <p:nvPr userDrawn="1"/>
-        </p:nvSpPr>
-        <p:spPr>
-          <a:xfrm>
-            <a:off x="10024870" y="6041362"/>
-            <a:ext cx="2082621" cy="369332"/>
-          </a:xfrm>
-          <a:prstGeom prst="rect">
-            <a:avLst/>
-          </a:prstGeom>
-          <a:noFill/>
-        </p:spPr>
-        <p:txBody>
-          <a:bodyPr wrap="none" rtlCol="0">
-            <a:spAutoFit/>
-          </a:bodyPr>
-          <a:lstStyle/>
-          <a:p>
-            <a:r>
-              <a:rPr lang="zh-CN" altLang="en-US" smtClean="0">
-                <a:latin typeface="+mn-ea"/>
-                <a:ea typeface="+mn-ea"/>
-                <a:cs typeface="Lantinghei SC Demibold" charset="-122"/>
-              </a:rPr>
-              <a:t>基础工业训练中心</a:t>
-            </a:r>
-            <a:endParaRPr lang="en-US" dirty="0">
-              <a:latin typeface="+mn-ea"/>
-              <a:ea typeface="+mn-ea"/>
-              <a:cs typeface="Lantinghei SC Demibold" charset="-122"/>
-            </a:endParaRPr>
           </a:p>
         </p:txBody>
       </p:sp>
@@ -1600,7 +1568,7 @@
           <a:p>
             <a:fld id="{FF7342F3-E89F-8442-9824-6E2934AE199B}" type="datetime1">
               <a:rPr lang="en-US" smtClean="0"/>
-              <a:t>2/18/16</a:t>
+              <a:t>2/25/2016</a:t>
             </a:fld>
             <a:endParaRPr lang="en-US" dirty="0"/>
           </a:p>
@@ -1910,7 +1878,7 @@
           <a:p>
             <a:fld id="{4C6CAE23-18CE-EB49-A6BF-DD68F4559AB5}" type="datetime1">
               <a:rPr lang="en-US" smtClean="0"/>
-              <a:t>2/18/16</a:t>
+              <a:t>2/25/2016</a:t>
             </a:fld>
             <a:endParaRPr lang="en-US" dirty="0"/>
           </a:p>
@@ -2247,7 +2215,7 @@
           <a:p>
             <a:fld id="{E8D5AAB9-29E7-0B45-9CE2-D7D92F914521}" type="datetime1">
               <a:rPr lang="en-US" smtClean="0"/>
-              <a:t>2/18/16</a:t>
+              <a:t>2/25/2016</a:t>
             </a:fld>
             <a:endParaRPr lang="en-US" dirty="0"/>
           </a:p>
@@ -2557,7 +2525,7 @@
           <a:p>
             <a:fld id="{49A78FDA-579C-6048-85D3-8F243976ED3E}" type="datetime1">
               <a:rPr lang="en-US" smtClean="0"/>
-              <a:t>2/18/16</a:t>
+              <a:t>2/25/2016</a:t>
             </a:fld>
             <a:endParaRPr lang="en-US" dirty="0"/>
           </a:p>
@@ -2946,7 +2914,7 @@
           <a:p>
             <a:fld id="{C46FC4DA-9631-2F4B-806C-401BBC1410A7}" type="datetime1">
               <a:rPr lang="en-US" smtClean="0"/>
-              <a:t>2/18/16</a:t>
+              <a:t>2/25/2016</a:t>
             </a:fld>
             <a:endParaRPr lang="en-US" dirty="0"/>
           </a:p>
@@ -3112,7 +3080,7 @@
           <a:p>
             <a:fld id="{0E91A988-FB2F-9345-9DC8-382DFD0EE0ED}" type="datetime1">
               <a:rPr lang="en-US" smtClean="0"/>
-              <a:t>2/18/16</a:t>
+              <a:t>2/25/2016</a:t>
             </a:fld>
             <a:endParaRPr lang="en-US" dirty="0"/>
           </a:p>
@@ -3287,7 +3255,7 @@
           <a:p>
             <a:fld id="{C6500F06-281F-6E47-BC04-F2052671E916}" type="datetime1">
               <a:rPr lang="en-US" smtClean="0"/>
-              <a:t>2/18/16</a:t>
+              <a:t>2/25/2016</a:t>
             </a:fld>
             <a:endParaRPr lang="en-US" dirty="0"/>
           </a:p>
@@ -3459,7 +3427,7 @@
           <a:p>
             <a:fld id="{D4641A75-638B-EA49-A2E0-32073B2DE532}" type="datetime1">
               <a:rPr lang="en-US" smtClean="0"/>
-              <a:t>2/18/16</a:t>
+              <a:t>2/25/2016</a:t>
             </a:fld>
             <a:endParaRPr lang="en-US" dirty="0"/>
           </a:p>
@@ -3702,7 +3670,7 @@
           <a:p>
             <a:fld id="{54A17D37-7B62-2748-AC42-D51A2864EB98}" type="datetime1">
               <a:rPr lang="en-US" smtClean="0"/>
-              <a:t>2/18/16</a:t>
+              <a:t>2/25/2016</a:t>
             </a:fld>
             <a:endParaRPr lang="en-US" dirty="0"/>
           </a:p>
@@ -3811,8 +3779,8 @@
         </p:nvSpPr>
         <p:spPr>
           <a:xfrm>
-            <a:off x="677334" y="2160589"/>
-            <a:ext cx="4184035" cy="3880772"/>
+            <a:off x="677334" y="1709076"/>
+            <a:ext cx="4184035" cy="4332285"/>
           </a:xfrm>
         </p:spPr>
         <p:txBody>
@@ -3821,6 +3789,63 @@
           <a:p>
             <a:pPr lvl="0"/>
             <a:r>
+              <a:rPr lang="zh-CN" altLang="en-US" dirty="0" smtClean="0"/>
+              <a:t>单击此处编辑母版文本样式</a:t>
+            </a:r>
+          </a:p>
+          <a:p>
+            <a:pPr lvl="1"/>
+            <a:r>
+              <a:rPr lang="zh-CN" altLang="en-US" dirty="0" smtClean="0"/>
+              <a:t>二级</a:t>
+            </a:r>
+          </a:p>
+          <a:p>
+            <a:pPr lvl="2"/>
+            <a:r>
+              <a:rPr lang="zh-CN" altLang="en-US" dirty="0" smtClean="0"/>
+              <a:t>三级</a:t>
+            </a:r>
+          </a:p>
+          <a:p>
+            <a:pPr lvl="3"/>
+            <a:r>
+              <a:rPr lang="zh-CN" altLang="en-US" dirty="0" smtClean="0"/>
+              <a:t>四级</a:t>
+            </a:r>
+          </a:p>
+          <a:p>
+            <a:pPr lvl="4"/>
+            <a:r>
+              <a:rPr lang="zh-CN" altLang="en-US" dirty="0" smtClean="0"/>
+              <a:t>五级</a:t>
+            </a:r>
+            <a:endParaRPr lang="en-US" dirty="0"/>
+          </a:p>
+        </p:txBody>
+      </p:sp>
+      <p:sp>
+        <p:nvSpPr>
+          <p:cNvPr id="4" name="Content Placeholder 3"/>
+          <p:cNvSpPr>
+            <a:spLocks noGrp="1"/>
+          </p:cNvSpPr>
+          <p:nvPr>
+            <p:ph sz="half" idx="2"/>
+          </p:nvPr>
+        </p:nvSpPr>
+        <p:spPr>
+          <a:xfrm>
+            <a:off x="5089970" y="1709077"/>
+            <a:ext cx="4184034" cy="4332286"/>
+          </a:xfrm>
+        </p:spPr>
+        <p:txBody>
+          <a:bodyPr/>
+          <a:lstStyle/>
+          <a:p>
+            <a:pPr lvl="0"/>
+            <a:r>
               <a:rPr lang="zh-CN" altLang="en-US" smtClean="0"/>
               <a:t>单击此处编辑母版文本样式</a:t>
             </a:r>
@@ -3858,63 +3883,6 @@
       </p:sp>
       <p:sp>
         <p:nvSpPr>
-          <p:cNvPr id="4" name="Content Placeholder 3"/>
-          <p:cNvSpPr>
-            <a:spLocks noGrp="1"/>
-          </p:cNvSpPr>
-          <p:nvPr>
-            <p:ph sz="half" idx="2"/>
-          </p:nvPr>
-        </p:nvSpPr>
-        <p:spPr>
-          <a:xfrm>
-            <a:off x="5089970" y="2160589"/>
-            <a:ext cx="4184034" cy="3880773"/>
-          </a:xfrm>
-        </p:spPr>
-        <p:txBody>
-          <a:bodyPr/>
-          <a:lstStyle/>
-          <a:p>
-            <a:pPr lvl="0"/>
-            <a:r>
-              <a:rPr lang="zh-CN" altLang="en-US" smtClean="0"/>
-              <a:t>单击此处编辑母版文本样式</a:t>
-            </a:r>
-          </a:p>
-          <a:p>
-            <a:pPr lvl="1"/>
-            <a:r>
-              <a:rPr lang="zh-CN" altLang="en-US" smtClean="0"/>
-              <a:t>二级</a:t>
-            </a:r>
-          </a:p>
-          <a:p>
-            <a:pPr lvl="2"/>
-            <a:r>
-              <a:rPr lang="zh-CN" altLang="en-US" smtClean="0"/>
-              <a:t>三级</a:t>
-            </a:r>
-          </a:p>
-          <a:p>
-            <a:pPr lvl="3"/>
-            <a:r>
-              <a:rPr lang="zh-CN" altLang="en-US" smtClean="0"/>
-              <a:t>四级</a:t>
-            </a:r>
-          </a:p>
-          <a:p>
-            <a:pPr lvl="4"/>
-            <a:r>
-              <a:rPr lang="zh-CN" altLang="en-US" smtClean="0"/>
-              <a:t>五级</a:t>
-            </a:r>
-            <a:endParaRPr lang="en-US" dirty="0"/>
-          </a:p>
-        </p:txBody>
-      </p:sp>
-      <p:sp>
-        <p:nvSpPr>
           <p:cNvPr id="5" name="Date Placeholder 4"/>
           <p:cNvSpPr>
             <a:spLocks noGrp="1"/>
@@ -3930,7 +3898,7 @@
           <a:p>
             <a:fld id="{71335C65-4278-1544-8C0D-543EEE240DB0}" type="datetime1">
               <a:rPr lang="en-US" smtClean="0"/>
-              <a:t>2/18/16</a:t>
+              <a:t>2/25/2016</a:t>
             </a:fld>
             <a:endParaRPr lang="en-US" dirty="0"/>
           </a:p>
@@ -4299,7 +4267,7 @@
           <a:p>
             <a:fld id="{1179E81E-9A2B-6844-A2DD-8678792AA303}" type="datetime1">
               <a:rPr lang="en-US" smtClean="0"/>
-              <a:t>2/18/16</a:t>
+              <a:t>2/25/2016</a:t>
             </a:fld>
             <a:endParaRPr lang="en-US" dirty="0"/>
           </a:p>
@@ -4418,7 +4386,7 @@
           <a:p>
             <a:fld id="{EDF12B6F-48A5-7E4A-9B80-F827833063D4}" type="datetime1">
               <a:rPr lang="en-US" smtClean="0"/>
-              <a:t>2/18/16</a:t>
+              <a:t>2/25/2016</a:t>
             </a:fld>
             <a:endParaRPr lang="en-US" dirty="0"/>
           </a:p>
@@ -4509,7 +4477,7 @@
           <a:p>
             <a:fld id="{7AC43E29-6941-664D-8421-8F03E029149B}" type="datetime1">
               <a:rPr lang="en-US" smtClean="0"/>
-              <a:t>2/18/16</a:t>
+              <a:t>2/25/2016</a:t>
             </a:fld>
             <a:endParaRPr lang="en-US" dirty="0"/>
           </a:p>
@@ -4760,7 +4728,7 @@
           <a:p>
             <a:fld id="{646194B7-C092-164E-9BB7-F99445E79879}" type="datetime1">
               <a:rPr lang="en-US" smtClean="0"/>
-              <a:t>2/18/16</a:t>
+              <a:t>2/25/2016</a:t>
             </a:fld>
             <a:endParaRPr lang="en-US" dirty="0"/>
           </a:p>
@@ -5018,7 +4986,7 @@
           <a:p>
             <a:fld id="{A5909F34-5D05-9B43-9CEB-449A57FC61E4}" type="datetime1">
               <a:rPr lang="en-US" smtClean="0"/>
-              <a:t>2/18/16</a:t>
+              <a:t>2/25/2016</a:t>
             </a:fld>
             <a:endParaRPr lang="en-US" dirty="0"/>
           </a:p>
@@ -5640,7 +5608,7 @@
         <p:spPr>
           <a:xfrm>
             <a:off x="677334" y="609600"/>
-            <a:ext cx="8596668" cy="1320800"/>
+            <a:ext cx="8596668" cy="734351"/>
           </a:xfrm>
           <a:prstGeom prst="rect">
             <a:avLst/>
@@ -5672,8 +5640,8 @@
         </p:nvSpPr>
         <p:spPr>
           <a:xfrm>
-            <a:off x="677334" y="2160589"/>
-            <a:ext cx="8596668" cy="3880773"/>
+            <a:off x="677334" y="1435497"/>
+            <a:ext cx="8596668" cy="4605865"/>
           </a:xfrm>
           <a:prstGeom prst="rect">
             <a:avLst/>
@@ -5757,7 +5725,7 @@
           <a:p>
             <a:fld id="{A39DEFD7-D3F8-E149-BC67-AB616DFAE7C0}" type="datetime1">
               <a:rPr lang="en-US" smtClean="0"/>
-              <a:t>2/18/16</a:t>
+              <a:t>2/25/2016</a:t>
             </a:fld>
             <a:endParaRPr lang="en-US" dirty="0"/>
           </a:p>
@@ -5825,7 +5793,7 @@
             <a:lvl1pPr algn="r">
               <a:defRPr sz="1000">
                 <a:solidFill>
-                  <a:schemeClr val="accent1"/>
+                  <a:schemeClr val="tx1"/>
                 </a:solidFill>
               </a:defRPr>
             </a:lvl1pPr>
@@ -5984,7 +5952,7 @@
         <a:buNone/>
         <a:defRPr sz="2800" kern="1200">
           <a:solidFill>
-            <a:schemeClr val="accent1"/>
+            <a:schemeClr val="tx1"/>
           </a:solidFill>
           <a:latin typeface="Microsoft YaHei" charset="0"/>
           <a:ea typeface="Microsoft YaHei" charset="0"/>
@@ -6064,10 +6032,7 @@
         <a:buChar char=""/>
         <a:defRPr sz="1800" kern="1200">
           <a:solidFill>
-            <a:schemeClr val="tx1">
-              <a:lumMod val="75000"/>
-              <a:lumOff val="25000"/>
-            </a:schemeClr>
+            <a:schemeClr val="tx1"/>
           </a:solidFill>
           <a:latin typeface="Microsoft YaHei" charset="0"/>
           <a:ea typeface="Microsoft YaHei" charset="0"/>
@@ -6089,10 +6054,7 @@
         <a:buChar char=""/>
         <a:defRPr sz="1600" kern="1200">
           <a:solidFill>
-            <a:schemeClr val="tx1">
-              <a:lumMod val="75000"/>
-              <a:lumOff val="25000"/>
-            </a:schemeClr>
+            <a:schemeClr val="tx1"/>
           </a:solidFill>
           <a:latin typeface="Microsoft YaHei" charset="0"/>
           <a:ea typeface="Microsoft YaHei" charset="0"/>
@@ -6114,10 +6076,7 @@
         <a:buChar char=""/>
         <a:defRPr sz="1400" kern="1200">
           <a:solidFill>
-            <a:schemeClr val="tx1">
-              <a:lumMod val="75000"/>
-              <a:lumOff val="25000"/>
-            </a:schemeClr>
+            <a:schemeClr val="tx1"/>
           </a:solidFill>
           <a:latin typeface="Microsoft YaHei" charset="0"/>
           <a:ea typeface="Microsoft YaHei" charset="0"/>
@@ -6139,10 +6098,7 @@
         <a:buChar char=""/>
         <a:defRPr sz="1200" kern="1200">
           <a:solidFill>
-            <a:schemeClr val="tx1">
-              <a:lumMod val="75000"/>
-              <a:lumOff val="25000"/>
-            </a:schemeClr>
+            <a:schemeClr val="tx1"/>
           </a:solidFill>
           <a:latin typeface="Microsoft YaHei" charset="0"/>
           <a:ea typeface="Microsoft YaHei" charset="0"/>
@@ -6164,10 +6120,7 @@
         <a:buChar char=""/>
         <a:defRPr sz="1200" kern="1200">
           <a:solidFill>
-            <a:schemeClr val="tx1">
-              <a:lumMod val="75000"/>
-              <a:lumOff val="25000"/>
-            </a:schemeClr>
+            <a:schemeClr val="tx1"/>
           </a:solidFill>
           <a:latin typeface="Microsoft YaHei" charset="0"/>
           <a:ea typeface="Microsoft YaHei" charset="0"/>
@@ -6408,6 +6361,9 @@
           <a:p>
             <a:r>
               <a:rPr kumimoji="1" lang="en-US" altLang="zh-CN" dirty="0" smtClean="0">
+                <a:solidFill>
+                  <a:schemeClr val="tx1"/>
+                </a:solidFill>
                 <a:latin typeface="Lantinghei SC Demibold" charset="-122"/>
                 <a:ea typeface="Lantinghei SC Demibold" charset="-122"/>
                 <a:cs typeface="Lantinghei SC Demibold" charset="-122"/>
@@ -6416,6 +6372,9 @@
             </a:r>
             <a:r>
               <a:rPr kumimoji="1" lang="zh-CN" altLang="en-US" dirty="0" smtClean="0">
+                <a:solidFill>
+                  <a:schemeClr val="tx1"/>
+                </a:solidFill>
                 <a:latin typeface="Lantinghei SC Demibold" charset="-122"/>
                 <a:ea typeface="Lantinghei SC Demibold" charset="-122"/>
                 <a:cs typeface="Lantinghei SC Demibold" charset="-122"/>
@@ -6424,6 +6383,9 @@
             </a:r>
             <a:r>
               <a:rPr kumimoji="1" lang="en-US" altLang="zh-CN" dirty="0" smtClean="0">
+                <a:solidFill>
+                  <a:schemeClr val="tx1"/>
+                </a:solidFill>
                 <a:latin typeface="Lantinghei SC Demibold" charset="-122"/>
                 <a:ea typeface="Lantinghei SC Demibold" charset="-122"/>
                 <a:cs typeface="Lantinghei SC Demibold" charset="-122"/>
@@ -6432,6 +6394,9 @@
             </a:r>
             <a:br>
               <a:rPr kumimoji="1" lang="en-US" altLang="zh-CN" dirty="0" smtClean="0">
+                <a:solidFill>
+                  <a:schemeClr val="tx1"/>
+                </a:solidFill>
                 <a:latin typeface="Lantinghei SC Demibold" charset="-122"/>
                 <a:ea typeface="Lantinghei SC Demibold" charset="-122"/>
                 <a:cs typeface="Lantinghei SC Demibold" charset="-122"/>
@@ -6439,6 +6404,9 @@
             </a:br>
             <a:r>
               <a:rPr kumimoji="1" lang="en-US" altLang="zh-CN" sz="3600" dirty="0" smtClean="0">
+                <a:solidFill>
+                  <a:schemeClr val="tx1"/>
+                </a:solidFill>
                 <a:latin typeface="Abadi MT Condensed Extra Bold" charset="0"/>
                 <a:ea typeface="Abadi MT Condensed Extra Bold" charset="0"/>
                 <a:cs typeface="Abadi MT Condensed Extra Bold" charset="0"/>
@@ -6447,6 +6415,9 @@
             </a:r>
             <a:r>
               <a:rPr kumimoji="1" lang="zh-CN" altLang="en-US" sz="3600" dirty="0" smtClean="0">
+                <a:solidFill>
+                  <a:schemeClr val="tx1"/>
+                </a:solidFill>
                 <a:latin typeface="Abadi MT Condensed Extra Bold" charset="0"/>
                 <a:ea typeface="Abadi MT Condensed Extra Bold" charset="0"/>
                 <a:cs typeface="Abadi MT Condensed Extra Bold" charset="0"/>
@@ -6455,6 +6426,9 @@
             </a:r>
             <a:r>
               <a:rPr kumimoji="1" lang="en-US" altLang="zh-CN" sz="3600" dirty="0" smtClean="0">
+                <a:solidFill>
+                  <a:schemeClr val="tx1"/>
+                </a:solidFill>
                 <a:latin typeface="Abadi MT Condensed Extra Bold" charset="0"/>
                 <a:ea typeface="Abadi MT Condensed Extra Bold" charset="0"/>
                 <a:cs typeface="Abadi MT Condensed Extra Bold" charset="0"/>
@@ -6462,6 +6436,9 @@
               <a:t>Introduction to Manufacturing Systems</a:t>
             </a:r>
             <a:endParaRPr kumimoji="1" lang="zh-CN" altLang="en-US" dirty="0">
+              <a:solidFill>
+                <a:schemeClr val="tx1"/>
+              </a:solidFill>
               <a:latin typeface="Abadi MT Condensed Extra Bold" charset="0"/>
               <a:ea typeface="Abadi MT Condensed Extra Bold" charset="0"/>
               <a:cs typeface="Abadi MT Condensed Extra Bold" charset="0"/>
@@ -6490,14 +6467,18 @@
           <a:lstStyle/>
           <a:p>
             <a:r>
-              <a:rPr kumimoji="1" lang="zh-CN" altLang="en-US" smtClean="0"/>
-              <a:t>王德宇  </a:t>
-            </a:r>
-            <a:r>
-              <a:rPr kumimoji="1" lang="zh-CN" altLang="en-US" smtClean="0"/>
-              <a:t>清华大学基础工业训练中心</a:t>
-            </a:r>
-            <a:endParaRPr kumimoji="1" lang="zh-CN" altLang="en-US" dirty="0"/>
+              <a:rPr kumimoji="1" lang="zh-CN" altLang="en-US" dirty="0" smtClean="0">
+                <a:solidFill>
+                  <a:schemeClr val="tx1"/>
+                </a:solidFill>
+              </a:rPr>
+              <a:t>王德宇  清华大学基础工业训练中心</a:t>
+            </a:r>
+            <a:endParaRPr kumimoji="1" lang="zh-CN" altLang="en-US" dirty="0">
+              <a:solidFill>
+                <a:schemeClr val="tx1"/>
+              </a:solidFill>
+            </a:endParaRPr>
           </a:p>
         </p:txBody>
       </p:sp>
@@ -6599,9 +6580,7 @@
             <a:r>
               <a:rPr kumimoji="1" lang="zh-CN" altLang="en-US" sz="3000" dirty="0" smtClean="0">
                 <a:solidFill>
-                  <a:schemeClr val="bg1">
-                    <a:lumMod val="50000"/>
-                  </a:schemeClr>
+                  <a:schemeClr val="tx1"/>
                 </a:solidFill>
                 <a:latin typeface="Lantinghei SC Demibold" charset="-122"/>
                 <a:ea typeface="Lantinghei SC Demibold" charset="-122"/>
@@ -6612,9 +6591,7 @@
             <a:r>
               <a:rPr kumimoji="1" lang="zh-CN" altLang="en-US" sz="3000" dirty="0">
                 <a:solidFill>
-                  <a:schemeClr val="bg1">
-                    <a:lumMod val="50000"/>
-                  </a:schemeClr>
+                  <a:schemeClr val="tx1"/>
                 </a:solidFill>
                 <a:latin typeface="Lantinghei SC Demibold" charset="-122"/>
                 <a:ea typeface="Lantinghei SC Demibold" charset="-122"/>
@@ -6625,9 +6602,7 @@
             <a:r>
               <a:rPr kumimoji="1" lang="en-US" altLang="zh-CN" sz="3000" dirty="0" smtClean="0">
                 <a:solidFill>
-                  <a:schemeClr val="bg1">
-                    <a:lumMod val="50000"/>
-                  </a:schemeClr>
+                  <a:schemeClr val="tx1"/>
                 </a:solidFill>
                 <a:latin typeface="Abadi MT Condensed Extra Bold" charset="0"/>
                 <a:ea typeface="Abadi MT Condensed Extra Bold" charset="0"/>
@@ -6649,10 +6624,7 @@
             <a:r>
               <a:rPr kumimoji="1" lang="en-US" altLang="zh-CN" sz="1800" dirty="0">
                 <a:solidFill>
-                  <a:prstClr val="black">
-                    <a:lumMod val="50000"/>
-                    <a:lumOff val="50000"/>
-                  </a:prstClr>
+                  <a:schemeClr val="tx1"/>
                 </a:solidFill>
               </a:rPr>
               <a:t>Building a miniature manufacturing system</a:t>
@@ -6660,10 +6632,7 @@
             <a:r>
               <a:rPr kumimoji="1" lang="zh-CN" altLang="en-US" sz="1800" dirty="0">
                 <a:solidFill>
-                  <a:prstClr val="black">
-                    <a:lumMod val="50000"/>
-                    <a:lumOff val="50000"/>
-                  </a:prstClr>
+                  <a:schemeClr val="tx1"/>
                 </a:solidFill>
               </a:rPr>
               <a:t> 小型制造系统</a:t>
@@ -6671,20 +6640,14 @@
             <a:r>
               <a:rPr kumimoji="1" lang="zh-CN" altLang="en-US" sz="1800" dirty="0" smtClean="0">
                 <a:solidFill>
-                  <a:prstClr val="black">
-                    <a:lumMod val="50000"/>
-                    <a:lumOff val="50000"/>
-                  </a:prstClr>
+                  <a:schemeClr val="tx1"/>
                 </a:solidFill>
               </a:rPr>
               <a:t>沙盘</a:t>
             </a:r>
             <a:endParaRPr kumimoji="1" lang="zh-CN" altLang="en-US" sz="1800" dirty="0">
               <a:solidFill>
-                <a:prstClr val="black">
-                  <a:lumMod val="50000"/>
-                  <a:lumOff val="50000"/>
-                </a:prstClr>
+                <a:schemeClr val="tx1"/>
               </a:solidFill>
             </a:endParaRPr>
           </a:p>
@@ -6758,7 +6721,7 @@
       </p:grpSpPr>
       <p:sp>
         <p:nvSpPr>
-          <p:cNvPr id="2" name="Title 1"/>
+          <p:cNvPr id="2" name="标题 1"/>
           <p:cNvSpPr>
             <a:spLocks noGrp="1"/>
           </p:cNvSpPr>
@@ -6773,15 +6736,15 @@
           <a:p>
             <a:r>
               <a:rPr lang="zh-CN" altLang="en-US" dirty="0" smtClean="0"/>
-              <a:t>本周作业</a:t>
-            </a:r>
-            <a:endParaRPr lang="en-US" dirty="0"/>
-          </a:p>
-        </p:txBody>
-      </p:sp>
-      <p:sp>
-        <p:nvSpPr>
-          <p:cNvPr id="3" name="Content Placeholder 2"/>
+              <a:t>所谓“制造”</a:t>
+            </a:r>
+            <a:endParaRPr lang="zh-CN" altLang="en-US" dirty="0"/>
+          </a:p>
+        </p:txBody>
+      </p:sp>
+      <p:sp>
+        <p:nvSpPr>
+          <p:cNvPr id="3" name="内容占位符 2"/>
           <p:cNvSpPr>
             <a:spLocks noGrp="1"/>
           </p:cNvSpPr>
@@ -6794,13 +6757,108 @@
           <a:bodyPr/>
           <a:lstStyle/>
           <a:p>
-            <a:endParaRPr lang="en-US" dirty="0"/>
-          </a:p>
-        </p:txBody>
-      </p:sp>
-      <p:sp>
-        <p:nvSpPr>
-          <p:cNvPr id="4" name="Slide Number Placeholder 3"/>
+            <a:r>
+              <a:rPr lang="zh-CN" altLang="en-US" dirty="0" smtClean="0"/>
+              <a:t>自然界中不存在的物品</a:t>
+            </a:r>
+            <a:endParaRPr lang="en-US" altLang="zh-CN" dirty="0" smtClean="0"/>
+          </a:p>
+          <a:p>
+            <a:r>
+              <a:rPr lang="zh-CN" altLang="en-US" dirty="0" smtClean="0"/>
+              <a:t>从原材料转化而来</a:t>
+            </a:r>
+            <a:endParaRPr lang="en-US" altLang="zh-CN" dirty="0" smtClean="0"/>
+          </a:p>
+          <a:p>
+            <a:r>
+              <a:rPr lang="zh-CN" altLang="en-US" dirty="0"/>
+              <a:t>形状</a:t>
+            </a:r>
+            <a:r>
+              <a:rPr lang="zh-CN" altLang="en-US" dirty="0" smtClean="0"/>
+              <a:t>改变</a:t>
+            </a:r>
+            <a:endParaRPr lang="en-US" altLang="zh-CN" dirty="0" smtClean="0"/>
+          </a:p>
+          <a:p>
+            <a:r>
+              <a:rPr lang="zh-CN" altLang="en-US" dirty="0" smtClean="0"/>
+              <a:t>组合、装配</a:t>
+            </a:r>
+            <a:endParaRPr lang="en-US" altLang="zh-CN" dirty="0" smtClean="0"/>
+          </a:p>
+          <a:p>
+            <a:endParaRPr lang="en-US" altLang="zh-CN" dirty="0"/>
+          </a:p>
+          <a:p>
+            <a:r>
+              <a:rPr lang="zh-CN" altLang="en-US" dirty="0" smtClean="0"/>
+              <a:t>有些产品只有一个组成部分</a:t>
+            </a:r>
+            <a:endParaRPr lang="en-US" altLang="zh-CN" dirty="0" smtClean="0"/>
+          </a:p>
+          <a:p>
+            <a:pPr lvl="1"/>
+            <a:r>
+              <a:rPr lang="zh-CN" altLang="en-US" dirty="0" smtClean="0"/>
+              <a:t>例如钉子、勺子、纸张</a:t>
+            </a:r>
+            <a:r>
+              <a:rPr lang="en-US" altLang="zh-CN" dirty="0" smtClean="0"/>
+              <a:t>……</a:t>
+            </a:r>
+          </a:p>
+          <a:p>
+            <a:r>
+              <a:rPr lang="zh-CN" altLang="en-US" dirty="0"/>
+              <a:t>有些</a:t>
+            </a:r>
+            <a:r>
+              <a:rPr lang="zh-CN" altLang="en-US" dirty="0" smtClean="0"/>
+              <a:t>产品则由不同部件组成</a:t>
+            </a:r>
+            <a:endParaRPr lang="en-US" altLang="zh-CN" dirty="0" smtClean="0"/>
+          </a:p>
+          <a:p>
+            <a:pPr lvl="1"/>
+            <a:r>
+              <a:rPr lang="zh-CN" altLang="en-US" dirty="0" smtClean="0"/>
+              <a:t>例如自行车、桌子、中性笔、电脑</a:t>
+            </a:r>
+            <a:r>
+              <a:rPr lang="en-US" altLang="zh-CN" dirty="0" smtClean="0"/>
+              <a:t>……</a:t>
+            </a:r>
+            <a:endParaRPr lang="en-US" altLang="zh-CN" dirty="0"/>
+          </a:p>
+          <a:p>
+            <a:endParaRPr lang="en-US" altLang="zh-CN" dirty="0" smtClean="0"/>
+          </a:p>
+          <a:p>
+            <a:r>
+              <a:rPr lang="zh-CN" altLang="en-US" dirty="0"/>
+              <a:t>这些</a:t>
+            </a:r>
+            <a:r>
+              <a:rPr lang="zh-CN" altLang="en-US" dirty="0" smtClean="0"/>
+              <a:t>产品的生产过程即为</a:t>
+            </a:r>
+            <a:r>
+              <a:rPr lang="zh-CN" altLang="en-US" b="1" u="sng" dirty="0" smtClean="0"/>
+              <a:t>制造</a:t>
+            </a:r>
+            <a:r>
+              <a:rPr lang="zh-CN" altLang="en-US" dirty="0" smtClean="0"/>
+              <a:t>过程</a:t>
+            </a:r>
+            <a:endParaRPr lang="en-US" altLang="zh-CN" dirty="0" smtClean="0"/>
+          </a:p>
+        </p:txBody>
+      </p:sp>
+      <p:sp>
+        <p:nvSpPr>
+          <p:cNvPr id="4" name="灯片编号占位符 3"/>
           <p:cNvSpPr>
             <a:spLocks noGrp="1"/>
           </p:cNvSpPr>
@@ -6817,6 +6875,1296 @@
               <a:rPr lang="en-US" smtClean="0"/>
               <a:pPr/>
               <a:t>10</a:t>
+            </a:fld>
+            <a:endParaRPr lang="en-US" dirty="0"/>
+          </a:p>
+        </p:txBody>
+      </p:sp>
+      <p:pic>
+        <p:nvPicPr>
+          <p:cNvPr id="1026" name="Picture 2" descr="http://tse3.mm.bing.net/th?id=OIP.M85c328dd04cbcfb5ea0f8d46dff479d4o0&amp;pid=15.1"/>
+          <p:cNvPicPr>
+            <a:picLocks noChangeAspect="1" noChangeArrowheads="1"/>
+          </p:cNvPicPr>
+          <p:nvPr/>
+        </p:nvPicPr>
+        <p:blipFill rotWithShape="1">
+          <a:blip r:embed="rId2">
+            <a:extLst>
+              <a:ext uri="{28A0092B-C50C-407E-A947-70E740481C1C}">
+                <a14:useLocalDpi xmlns:a14="http://schemas.microsoft.com/office/drawing/2010/main" val="0"/>
+              </a:ext>
+            </a:extLst>
+          </a:blip>
+          <a:srcRect t="1" b="3710"/>
+          <a:stretch/>
+        </p:blipFill>
+        <p:spPr bwMode="auto">
+          <a:xfrm>
+            <a:off x="5646702" y="939034"/>
+            <a:ext cx="1440000" cy="1039917"/>
+          </a:xfrm>
+          <a:prstGeom prst="rect">
+            <a:avLst/>
+          </a:prstGeom>
+          <a:noFill/>
+          <a:extLst>
+            <a:ext uri="{909E8E84-426E-40DD-AFC4-6F175D3DCCD1}">
+              <a14:hiddenFill xmlns:a14="http://schemas.microsoft.com/office/drawing/2010/main">
+                <a:solidFill>
+                  <a:srgbClr val="FFFFFF"/>
+                </a:solidFill>
+              </a14:hiddenFill>
+            </a:ext>
+          </a:extLst>
+        </p:spPr>
+      </p:pic>
+      <p:pic>
+        <p:nvPicPr>
+          <p:cNvPr id="1028" name="Picture 4" descr="http://d05.res.meilishuo.net/pic/_o/3f/55/7535ed7f2775807349e843c7247a_800_800.c1.jpg"/>
+          <p:cNvPicPr>
+            <a:picLocks noChangeAspect="1" noChangeArrowheads="1"/>
+          </p:cNvPicPr>
+          <p:nvPr/>
+        </p:nvPicPr>
+        <p:blipFill rotWithShape="1">
+          <a:blip r:embed="rId3">
+            <a:extLst>
+              <a:ext uri="{28A0092B-C50C-407E-A947-70E740481C1C}">
+                <a14:useLocalDpi xmlns:a14="http://schemas.microsoft.com/office/drawing/2010/main" val="0"/>
+              </a:ext>
+            </a:extLst>
+          </a:blip>
+          <a:srcRect t="11327" b="6945"/>
+          <a:stretch/>
+        </p:blipFill>
+        <p:spPr bwMode="auto">
+          <a:xfrm>
+            <a:off x="5646702" y="2786659"/>
+            <a:ext cx="1440000" cy="1176866"/>
+          </a:xfrm>
+          <a:prstGeom prst="rect">
+            <a:avLst/>
+          </a:prstGeom>
+          <a:noFill/>
+          <a:extLst>
+            <a:ext uri="{909E8E84-426E-40DD-AFC4-6F175D3DCCD1}">
+              <a14:hiddenFill xmlns:a14="http://schemas.microsoft.com/office/drawing/2010/main">
+                <a:solidFill>
+                  <a:srgbClr val="FFFFFF"/>
+                </a:solidFill>
+              </a14:hiddenFill>
+            </a:ext>
+          </a:extLst>
+        </p:spPr>
+      </p:pic>
+      <p:pic>
+        <p:nvPicPr>
+          <p:cNvPr id="1030" name="Picture 6" descr="http://img01.tooopen.com/Downs/images/2011/8/31/sy_20110831145106605027.jpg"/>
+          <p:cNvPicPr>
+            <a:picLocks noChangeAspect="1" noChangeArrowheads="1"/>
+          </p:cNvPicPr>
+          <p:nvPr/>
+        </p:nvPicPr>
+        <p:blipFill rotWithShape="1">
+          <a:blip r:embed="rId4">
+            <a:extLst>
+              <a:ext uri="{28A0092B-C50C-407E-A947-70E740481C1C}">
+                <a14:useLocalDpi xmlns:a14="http://schemas.microsoft.com/office/drawing/2010/main" val="0"/>
+              </a:ext>
+            </a:extLst>
+          </a:blip>
+          <a:srcRect l="10813" t="28020" r="35682" b="33003"/>
+          <a:stretch/>
+        </p:blipFill>
+        <p:spPr bwMode="auto">
+          <a:xfrm>
+            <a:off x="5646702" y="4771233"/>
+            <a:ext cx="1440000" cy="743739"/>
+          </a:xfrm>
+          <a:prstGeom prst="rect">
+            <a:avLst/>
+          </a:prstGeom>
+          <a:noFill/>
+          <a:extLst>
+            <a:ext uri="{909E8E84-426E-40DD-AFC4-6F175D3DCCD1}">
+              <a14:hiddenFill xmlns:a14="http://schemas.microsoft.com/office/drawing/2010/main">
+                <a:solidFill>
+                  <a:srgbClr val="FFFFFF"/>
+                </a:solidFill>
+              </a14:hiddenFill>
+            </a:ext>
+          </a:extLst>
+        </p:spPr>
+      </p:pic>
+      <p:pic>
+        <p:nvPicPr>
+          <p:cNvPr id="1032" name="Picture 8" descr="http://imgx.xiawu.com/xzimg/i4/i2/11059027814994179/T1_FqZFdtXXXXXXXXX_!!0-item_pic.jpg"/>
+          <p:cNvPicPr>
+            <a:picLocks noChangeAspect="1" noChangeArrowheads="1"/>
+          </p:cNvPicPr>
+          <p:nvPr/>
+        </p:nvPicPr>
+        <p:blipFill rotWithShape="1">
+          <a:blip r:embed="rId5">
+            <a:extLst>
+              <a:ext uri="{28A0092B-C50C-407E-A947-70E740481C1C}">
+                <a14:useLocalDpi xmlns:a14="http://schemas.microsoft.com/office/drawing/2010/main" val="0"/>
+              </a:ext>
+            </a:extLst>
+          </a:blip>
+          <a:srcRect t="22555" b="10667"/>
+          <a:stretch/>
+        </p:blipFill>
+        <p:spPr bwMode="auto">
+          <a:xfrm>
+            <a:off x="7528559" y="983762"/>
+            <a:ext cx="1440000" cy="961600"/>
+          </a:xfrm>
+          <a:prstGeom prst="rect">
+            <a:avLst/>
+          </a:prstGeom>
+          <a:noFill/>
+          <a:extLst>
+            <a:ext uri="{909E8E84-426E-40DD-AFC4-6F175D3DCCD1}">
+              <a14:hiddenFill xmlns:a14="http://schemas.microsoft.com/office/drawing/2010/main">
+                <a:solidFill>
+                  <a:srgbClr val="FFFFFF"/>
+                </a:solidFill>
+              </a14:hiddenFill>
+            </a:ext>
+          </a:extLst>
+        </p:spPr>
+      </p:pic>
+      <p:pic>
+        <p:nvPicPr>
+          <p:cNvPr id="1034" name="Picture 10" descr="http://images.fordaq.com/p-17880000-17870262-2/%E6%A1%8C%E5%AD%90---%E8%AE%BE%E8%AE%A1.JPG"/>
+          <p:cNvPicPr>
+            <a:picLocks noChangeAspect="1" noChangeArrowheads="1"/>
+          </p:cNvPicPr>
+          <p:nvPr/>
+        </p:nvPicPr>
+        <p:blipFill>
+          <a:blip r:embed="rId6">
+            <a:extLst>
+              <a:ext uri="{28A0092B-C50C-407E-A947-70E740481C1C}">
+                <a14:useLocalDpi xmlns:a14="http://schemas.microsoft.com/office/drawing/2010/main" val="0"/>
+              </a:ext>
+            </a:extLst>
+          </a:blip>
+          <a:srcRect/>
+          <a:stretch>
+            <a:fillRect/>
+          </a:stretch>
+        </p:blipFill>
+        <p:spPr bwMode="auto">
+          <a:xfrm>
+            <a:off x="7528559" y="2762736"/>
+            <a:ext cx="1440000" cy="1101560"/>
+          </a:xfrm>
+          <a:prstGeom prst="rect">
+            <a:avLst/>
+          </a:prstGeom>
+          <a:noFill/>
+          <a:extLst>
+            <a:ext uri="{909E8E84-426E-40DD-AFC4-6F175D3DCCD1}">
+              <a14:hiddenFill xmlns:a14="http://schemas.microsoft.com/office/drawing/2010/main">
+                <a:solidFill>
+                  <a:srgbClr val="FFFFFF"/>
+                </a:solidFill>
+              </a14:hiddenFill>
+            </a:ext>
+          </a:extLst>
+        </p:spPr>
+      </p:pic>
+      <p:pic>
+        <p:nvPicPr>
+          <p:cNvPr id="1036" name="Picture 12" descr="http://www.oasteward.com/upload/product/650004_1.jpg"/>
+          <p:cNvPicPr>
+            <a:picLocks noChangeAspect="1" noChangeArrowheads="1"/>
+          </p:cNvPicPr>
+          <p:nvPr/>
+        </p:nvPicPr>
+        <p:blipFill rotWithShape="1">
+          <a:blip r:embed="rId7">
+            <a:extLst>
+              <a:ext uri="{28A0092B-C50C-407E-A947-70E740481C1C}">
+                <a14:useLocalDpi xmlns:a14="http://schemas.microsoft.com/office/drawing/2010/main" val="0"/>
+              </a:ext>
+            </a:extLst>
+          </a:blip>
+          <a:srcRect l="12375" t="16403" r="8153" b="32665"/>
+          <a:stretch/>
+        </p:blipFill>
+        <p:spPr bwMode="auto">
+          <a:xfrm>
+            <a:off x="7528559" y="4681669"/>
+            <a:ext cx="1440000" cy="922866"/>
+          </a:xfrm>
+          <a:prstGeom prst="rect">
+            <a:avLst/>
+          </a:prstGeom>
+          <a:noFill/>
+          <a:extLst>
+            <a:ext uri="{909E8E84-426E-40DD-AFC4-6F175D3DCCD1}">
+              <a14:hiddenFill xmlns:a14="http://schemas.microsoft.com/office/drawing/2010/main">
+                <a:solidFill>
+                  <a:srgbClr val="FFFFFF"/>
+                </a:solidFill>
+              </a14:hiddenFill>
+            </a:ext>
+          </a:extLst>
+        </p:spPr>
+      </p:pic>
+    </p:spTree>
+    <p:extLst>
+      <p:ext uri="{BB962C8B-B14F-4D97-AF65-F5344CB8AC3E}">
+        <p14:creationId xmlns:p14="http://schemas.microsoft.com/office/powerpoint/2010/main" val="4113455731"/>
+      </p:ext>
+    </p:extLst>
+  </p:cSld>
+  <p:clrMapOvr>
+    <a:masterClrMapping/>
+  </p:clrMapOvr>
+</p:sld>
+</file>
+
+<file path=ppt/slides/slide11.xml><?xml version="1.0" encoding="utf-8"?>
+<p:sld xmlns:a="http://schemas.openxmlformats.org/drawingml/2006/main" xmlns:r="http://schemas.openxmlformats.org/officeDocument/2006/relationships" xmlns:p="http://schemas.openxmlformats.org/presentationml/2006/main">
+  <p:cSld>
+    <p:spTree>
+      <p:nvGrpSpPr>
+        <p:cNvPr id="1" name=""/>
+        <p:cNvGrpSpPr/>
+        <p:nvPr/>
+      </p:nvGrpSpPr>
+      <p:grpSpPr>
+        <a:xfrm>
+          <a:off x="0" y="0"/>
+          <a:ext cx="0" cy="0"/>
+          <a:chOff x="0" y="0"/>
+          <a:chExt cx="0" cy="0"/>
+        </a:xfrm>
+      </p:grpSpPr>
+      <p:sp>
+        <p:nvSpPr>
+          <p:cNvPr id="2" name="Title 1"/>
+          <p:cNvSpPr>
+            <a:spLocks noGrp="1"/>
+          </p:cNvSpPr>
+          <p:nvPr>
+            <p:ph type="title"/>
+          </p:nvPr>
+        </p:nvSpPr>
+        <p:spPr/>
+        <p:txBody>
+          <a:bodyPr/>
+          <a:lstStyle/>
+          <a:p>
+            <a:r>
+              <a:rPr lang="zh-CN" altLang="en-US" dirty="0" smtClean="0"/>
+              <a:t>制造的过程都包含哪些环节？</a:t>
+            </a:r>
+            <a:endParaRPr lang="en-US" dirty="0"/>
+          </a:p>
+        </p:txBody>
+      </p:sp>
+      <p:sp>
+        <p:nvSpPr>
+          <p:cNvPr id="3" name="Content Placeholder 2"/>
+          <p:cNvSpPr>
+            <a:spLocks noGrp="1"/>
+          </p:cNvSpPr>
+          <p:nvPr>
+            <p:ph idx="1"/>
+          </p:nvPr>
+        </p:nvSpPr>
+        <p:spPr/>
+        <p:txBody>
+          <a:bodyPr/>
+          <a:lstStyle/>
+          <a:p>
+            <a:endParaRPr lang="en-US" dirty="0"/>
+          </a:p>
+        </p:txBody>
+      </p:sp>
+      <p:sp>
+        <p:nvSpPr>
+          <p:cNvPr id="4" name="Slide Number Placeholder 3"/>
+          <p:cNvSpPr>
+            <a:spLocks noGrp="1"/>
+          </p:cNvSpPr>
+          <p:nvPr>
+            <p:ph type="sldNum" sz="quarter" idx="12"/>
+          </p:nvPr>
+        </p:nvSpPr>
+        <p:spPr/>
+        <p:txBody>
+          <a:bodyPr/>
+          <a:lstStyle/>
+          <a:p>
+            <a:fld id="{D57F1E4F-1CFF-5643-939E-217C01CDF565}" type="slidenum">
+              <a:rPr lang="en-US" smtClean="0"/>
+              <a:pPr/>
+              <a:t>11</a:t>
+            </a:fld>
+            <a:endParaRPr lang="en-US" dirty="0"/>
+          </a:p>
+        </p:txBody>
+      </p:sp>
+    </p:spTree>
+    <p:extLst>
+      <p:ext uri="{BB962C8B-B14F-4D97-AF65-F5344CB8AC3E}">
+        <p14:creationId xmlns:p14="http://schemas.microsoft.com/office/powerpoint/2010/main" val="1059420233"/>
+      </p:ext>
+    </p:extLst>
+  </p:cSld>
+  <p:clrMapOvr>
+    <a:masterClrMapping/>
+  </p:clrMapOvr>
+</p:sld>
+</file>
+
+<file path=ppt/slides/slide12.xml><?xml version="1.0" encoding="utf-8"?>
+<p:sld xmlns:a="http://schemas.openxmlformats.org/drawingml/2006/main" xmlns:r="http://schemas.openxmlformats.org/officeDocument/2006/relationships" xmlns:p="http://schemas.openxmlformats.org/presentationml/2006/main">
+  <p:cSld>
+    <p:spTree>
+      <p:nvGrpSpPr>
+        <p:cNvPr id="1" name=""/>
+        <p:cNvGrpSpPr/>
+        <p:nvPr/>
+      </p:nvGrpSpPr>
+      <p:grpSpPr>
+        <a:xfrm>
+          <a:off x="0" y="0"/>
+          <a:ext cx="0" cy="0"/>
+          <a:chOff x="0" y="0"/>
+          <a:chExt cx="0" cy="0"/>
+        </a:xfrm>
+      </p:grpSpPr>
+      <p:sp>
+        <p:nvSpPr>
+          <p:cNvPr id="2" name="Title 1"/>
+          <p:cNvSpPr>
+            <a:spLocks noGrp="1"/>
+          </p:cNvSpPr>
+          <p:nvPr>
+            <p:ph type="title"/>
+          </p:nvPr>
+        </p:nvSpPr>
+        <p:spPr/>
+        <p:txBody>
+          <a:bodyPr/>
+          <a:lstStyle/>
+          <a:p>
+            <a:r>
+              <a:rPr lang="zh-CN" altLang="en-US" dirty="0" smtClean="0"/>
+              <a:t>制造的过程都包含哪些环节？</a:t>
+            </a:r>
+            <a:endParaRPr lang="en-US" dirty="0"/>
+          </a:p>
+        </p:txBody>
+      </p:sp>
+      <p:sp>
+        <p:nvSpPr>
+          <p:cNvPr id="3" name="Content Placeholder 2"/>
+          <p:cNvSpPr>
+            <a:spLocks noGrp="1"/>
+          </p:cNvSpPr>
+          <p:nvPr>
+            <p:ph sz="half" idx="1"/>
+          </p:nvPr>
+        </p:nvSpPr>
+        <p:spPr/>
+        <p:txBody>
+          <a:bodyPr>
+            <a:normAutofit fontScale="92500" lnSpcReduction="10000"/>
+          </a:bodyPr>
+          <a:lstStyle/>
+          <a:p>
+            <a:r>
+              <a:rPr lang="zh-CN" altLang="en-US" dirty="0" smtClean="0"/>
+              <a:t>总的来说，制造是一个</a:t>
+            </a:r>
+            <a:r>
+              <a:rPr lang="zh-CN" altLang="en-US" b="1" u="sng" dirty="0"/>
+              <a:t>提高</a:t>
+            </a:r>
+            <a:r>
+              <a:rPr lang="zh-CN" altLang="en-US" b="1" u="sng" dirty="0" smtClean="0"/>
+              <a:t>附加值</a:t>
+            </a:r>
+            <a:r>
+              <a:rPr lang="zh-CN" altLang="en-US" dirty="0" smtClean="0"/>
+              <a:t>的过程</a:t>
+            </a:r>
+            <a:endParaRPr lang="en-US" altLang="zh-CN" dirty="0" smtClean="0"/>
+          </a:p>
+          <a:p>
+            <a:r>
+              <a:rPr lang="zh-CN" altLang="en-US" dirty="0" smtClean="0"/>
+              <a:t>陶土</a:t>
+            </a:r>
+            <a:r>
+              <a:rPr lang="en-US" altLang="zh-CN" dirty="0" smtClean="0"/>
+              <a:t>——</a:t>
+            </a:r>
+            <a:r>
+              <a:rPr lang="zh-CN" altLang="en-US" dirty="0"/>
+              <a:t>瓷碗</a:t>
+            </a:r>
+            <a:r>
+              <a:rPr lang="en-US" altLang="zh-CN" dirty="0" smtClean="0"/>
+              <a:t>——</a:t>
+            </a:r>
+            <a:r>
+              <a:rPr lang="zh-CN" altLang="en-US" dirty="0" smtClean="0"/>
+              <a:t>带包装的瓷碗</a:t>
+            </a:r>
+            <a:endParaRPr lang="en-US" altLang="zh-CN" dirty="0" smtClean="0"/>
+          </a:p>
+        </p:txBody>
+      </p:sp>
+      <p:sp>
+        <p:nvSpPr>
+          <p:cNvPr id="6" name="内容占位符 5"/>
+          <p:cNvSpPr>
+            <a:spLocks noGrp="1"/>
+          </p:cNvSpPr>
+          <p:nvPr>
+            <p:ph sz="half" idx="2"/>
+          </p:nvPr>
+        </p:nvSpPr>
+        <p:spPr/>
+        <p:txBody>
+          <a:bodyPr>
+            <a:normAutofit fontScale="92500" lnSpcReduction="10000"/>
+          </a:bodyPr>
+          <a:lstStyle/>
+          <a:p>
+            <a:r>
+              <a:rPr lang="zh-CN" altLang="en-US" dirty="0"/>
+              <a:t>一个完整的制造环节包含如下生产作业活动：</a:t>
+            </a:r>
+            <a:endParaRPr lang="en-US" altLang="zh-CN" dirty="0"/>
+          </a:p>
+          <a:p>
+            <a:pPr lvl="1"/>
+            <a:r>
+              <a:rPr lang="zh-CN" altLang="en-US" dirty="0"/>
+              <a:t>产品设计</a:t>
+            </a:r>
+            <a:endParaRPr lang="en-US" altLang="zh-CN" dirty="0"/>
+          </a:p>
+          <a:p>
+            <a:pPr lvl="1"/>
+            <a:r>
+              <a:rPr lang="zh-CN" altLang="en-US" dirty="0"/>
+              <a:t>工艺设计</a:t>
+            </a:r>
+            <a:endParaRPr lang="en-US" altLang="zh-CN" dirty="0"/>
+          </a:p>
+          <a:p>
+            <a:pPr lvl="1"/>
+            <a:r>
+              <a:rPr lang="zh-CN" altLang="en-US" dirty="0"/>
+              <a:t>原材料采购与物流</a:t>
+            </a:r>
+            <a:endParaRPr lang="en-US" altLang="zh-CN" dirty="0"/>
+          </a:p>
+          <a:p>
+            <a:pPr lvl="1"/>
+            <a:r>
+              <a:rPr lang="zh-CN" altLang="en-US" dirty="0"/>
+              <a:t>生产计划</a:t>
+            </a:r>
+            <a:endParaRPr lang="en-US" altLang="zh-CN" dirty="0"/>
+          </a:p>
+          <a:p>
+            <a:pPr lvl="1"/>
+            <a:r>
+              <a:rPr lang="zh-CN" altLang="en-US" dirty="0"/>
+              <a:t>机加工及材料成型加工</a:t>
+            </a:r>
+            <a:endParaRPr lang="en-US" altLang="zh-CN" dirty="0"/>
+          </a:p>
+          <a:p>
+            <a:pPr lvl="1"/>
+            <a:r>
+              <a:rPr lang="zh-CN" altLang="en-US" dirty="0"/>
+              <a:t>装配</a:t>
+            </a:r>
+            <a:endParaRPr lang="en-US" altLang="zh-CN" dirty="0"/>
+          </a:p>
+          <a:p>
+            <a:pPr lvl="1"/>
+            <a:r>
+              <a:rPr lang="zh-CN" altLang="en-US" dirty="0"/>
+              <a:t>营销</a:t>
+            </a:r>
+            <a:endParaRPr lang="en-US" altLang="zh-CN" dirty="0"/>
+          </a:p>
+          <a:p>
+            <a:pPr lvl="1"/>
+            <a:r>
+              <a:rPr lang="zh-CN" altLang="en-US" dirty="0"/>
+              <a:t>销售</a:t>
+            </a:r>
+            <a:endParaRPr lang="en-US" altLang="zh-CN" dirty="0"/>
+          </a:p>
+          <a:p>
+            <a:pPr lvl="1"/>
+            <a:r>
+              <a:rPr lang="zh-CN" altLang="en-US" dirty="0"/>
+              <a:t>配送</a:t>
+            </a:r>
+            <a:endParaRPr lang="en-US" altLang="zh-CN" dirty="0"/>
+          </a:p>
+          <a:p>
+            <a:pPr lvl="1"/>
+            <a:r>
+              <a:rPr lang="zh-CN" altLang="en-US" dirty="0"/>
+              <a:t>客户服务</a:t>
+            </a:r>
+            <a:endParaRPr lang="en-US" altLang="zh-CN" dirty="0"/>
+          </a:p>
+          <a:p>
+            <a:pPr lvl="1"/>
+            <a:r>
+              <a:rPr lang="en-US" altLang="zh-CN" dirty="0" smtClean="0"/>
+              <a:t>……</a:t>
+            </a:r>
+            <a:endParaRPr lang="en-US" altLang="zh-CN" dirty="0"/>
+          </a:p>
+        </p:txBody>
+      </p:sp>
+      <p:sp>
+        <p:nvSpPr>
+          <p:cNvPr id="4" name="Slide Number Placeholder 3"/>
+          <p:cNvSpPr>
+            <a:spLocks noGrp="1"/>
+          </p:cNvSpPr>
+          <p:nvPr>
+            <p:ph type="sldNum" sz="quarter" idx="12"/>
+          </p:nvPr>
+        </p:nvSpPr>
+        <p:spPr/>
+        <p:txBody>
+          <a:bodyPr/>
+          <a:lstStyle/>
+          <a:p>
+            <a:fld id="{D57F1E4F-1CFF-5643-939E-217C01CDF565}" type="slidenum">
+              <a:rPr lang="en-US" smtClean="0"/>
+              <a:pPr/>
+              <a:t>12</a:t>
+            </a:fld>
+            <a:endParaRPr lang="en-US" dirty="0"/>
+          </a:p>
+        </p:txBody>
+      </p:sp>
+    </p:spTree>
+    <p:extLst>
+      <p:ext uri="{BB962C8B-B14F-4D97-AF65-F5344CB8AC3E}">
+        <p14:creationId xmlns:p14="http://schemas.microsoft.com/office/powerpoint/2010/main" val="3468107836"/>
+      </p:ext>
+    </p:extLst>
+  </p:cSld>
+  <p:clrMapOvr>
+    <a:masterClrMapping/>
+  </p:clrMapOvr>
+</p:sld>
+</file>
+
+<file path=ppt/slides/slide13.xml><?xml version="1.0" encoding="utf-8"?>
+<p:sld xmlns:a="http://schemas.openxmlformats.org/drawingml/2006/main" xmlns:r="http://schemas.openxmlformats.org/officeDocument/2006/relationships" xmlns:p="http://schemas.openxmlformats.org/presentationml/2006/main">
+  <p:cSld>
+    <p:spTree>
+      <p:nvGrpSpPr>
+        <p:cNvPr id="1" name=""/>
+        <p:cNvGrpSpPr/>
+        <p:nvPr/>
+      </p:nvGrpSpPr>
+      <p:grpSpPr>
+        <a:xfrm>
+          <a:off x="0" y="0"/>
+          <a:ext cx="0" cy="0"/>
+          <a:chOff x="0" y="0"/>
+          <a:chExt cx="0" cy="0"/>
+        </a:xfrm>
+      </p:grpSpPr>
+      <p:sp>
+        <p:nvSpPr>
+          <p:cNvPr id="2" name="Title 1"/>
+          <p:cNvSpPr>
+            <a:spLocks noGrp="1"/>
+          </p:cNvSpPr>
+          <p:nvPr>
+            <p:ph type="title"/>
+          </p:nvPr>
+        </p:nvSpPr>
+        <p:spPr/>
+        <p:txBody>
+          <a:bodyPr/>
+          <a:lstStyle/>
+          <a:p>
+            <a:r>
+              <a:rPr lang="zh-CN" altLang="en-US" dirty="0" smtClean="0"/>
+              <a:t>制造的过程都包含哪些环节？</a:t>
+            </a:r>
+            <a:endParaRPr lang="en-US" dirty="0"/>
+          </a:p>
+        </p:txBody>
+      </p:sp>
+      <p:sp>
+        <p:nvSpPr>
+          <p:cNvPr id="3" name="Content Placeholder 2"/>
+          <p:cNvSpPr>
+            <a:spLocks noGrp="1"/>
+          </p:cNvSpPr>
+          <p:nvPr>
+            <p:ph sz="half" idx="1"/>
+          </p:nvPr>
+        </p:nvSpPr>
+        <p:spPr/>
+        <p:txBody>
+          <a:bodyPr>
+            <a:normAutofit fontScale="92500" lnSpcReduction="10000"/>
+          </a:bodyPr>
+          <a:lstStyle/>
+          <a:p>
+            <a:r>
+              <a:rPr lang="zh-CN" altLang="en-US" dirty="0" smtClean="0"/>
+              <a:t>总的来说，制造是一个</a:t>
+            </a:r>
+            <a:r>
+              <a:rPr lang="zh-CN" altLang="en-US" b="1" u="sng" dirty="0"/>
+              <a:t>提高</a:t>
+            </a:r>
+            <a:r>
+              <a:rPr lang="zh-CN" altLang="en-US" b="1" u="sng" dirty="0" smtClean="0"/>
+              <a:t>附加值</a:t>
+            </a:r>
+            <a:r>
+              <a:rPr lang="zh-CN" altLang="en-US" dirty="0" smtClean="0"/>
+              <a:t>的过程</a:t>
+            </a:r>
+            <a:endParaRPr lang="en-US" altLang="zh-CN" dirty="0" smtClean="0"/>
+          </a:p>
+          <a:p>
+            <a:r>
+              <a:rPr lang="zh-CN" altLang="en-US" dirty="0" smtClean="0"/>
+              <a:t>陶土</a:t>
+            </a:r>
+            <a:r>
+              <a:rPr lang="en-US" altLang="zh-CN" dirty="0" smtClean="0"/>
+              <a:t>——</a:t>
+            </a:r>
+            <a:r>
+              <a:rPr lang="zh-CN" altLang="en-US" dirty="0"/>
+              <a:t>瓷碗</a:t>
+            </a:r>
+            <a:r>
+              <a:rPr lang="en-US" altLang="zh-CN" dirty="0" smtClean="0"/>
+              <a:t>——</a:t>
+            </a:r>
+            <a:r>
+              <a:rPr lang="zh-CN" altLang="en-US" dirty="0" smtClean="0"/>
+              <a:t>带包装的瓷碗</a:t>
+            </a:r>
+            <a:endParaRPr lang="en-US" altLang="zh-CN" dirty="0" smtClean="0"/>
+          </a:p>
+        </p:txBody>
+      </p:sp>
+      <p:sp>
+        <p:nvSpPr>
+          <p:cNvPr id="6" name="内容占位符 5"/>
+          <p:cNvSpPr>
+            <a:spLocks noGrp="1"/>
+          </p:cNvSpPr>
+          <p:nvPr>
+            <p:ph sz="half" idx="2"/>
+          </p:nvPr>
+        </p:nvSpPr>
+        <p:spPr/>
+        <p:txBody>
+          <a:bodyPr>
+            <a:normAutofit fontScale="92500" lnSpcReduction="10000"/>
+          </a:bodyPr>
+          <a:lstStyle/>
+          <a:p>
+            <a:r>
+              <a:rPr lang="zh-CN" altLang="en-US" dirty="0"/>
+              <a:t>一个完整的制造环节包含如下生产作业活动：</a:t>
+            </a:r>
+            <a:endParaRPr lang="en-US" altLang="zh-CN" dirty="0"/>
+          </a:p>
+          <a:p>
+            <a:pPr lvl="1"/>
+            <a:r>
+              <a:rPr lang="zh-CN" altLang="en-US" dirty="0">
+                <a:solidFill>
+                  <a:schemeClr val="bg1">
+                    <a:lumMod val="75000"/>
+                  </a:schemeClr>
+                </a:solidFill>
+              </a:rPr>
+              <a:t>产品设计</a:t>
+            </a:r>
+            <a:endParaRPr lang="en-US" altLang="zh-CN" dirty="0">
+              <a:solidFill>
+                <a:schemeClr val="bg1">
+                  <a:lumMod val="75000"/>
+                </a:schemeClr>
+              </a:solidFill>
+            </a:endParaRPr>
+          </a:p>
+          <a:p>
+            <a:pPr lvl="1"/>
+            <a:r>
+              <a:rPr lang="zh-CN" altLang="en-US" dirty="0">
+                <a:solidFill>
+                  <a:schemeClr val="bg1">
+                    <a:lumMod val="75000"/>
+                  </a:schemeClr>
+                </a:solidFill>
+              </a:rPr>
+              <a:t>工艺设计</a:t>
+            </a:r>
+            <a:endParaRPr lang="en-US" altLang="zh-CN" dirty="0">
+              <a:solidFill>
+                <a:schemeClr val="bg1">
+                  <a:lumMod val="75000"/>
+                </a:schemeClr>
+              </a:solidFill>
+            </a:endParaRPr>
+          </a:p>
+          <a:p>
+            <a:pPr lvl="1"/>
+            <a:r>
+              <a:rPr lang="zh-CN" altLang="en-US" dirty="0">
+                <a:solidFill>
+                  <a:schemeClr val="bg1">
+                    <a:lumMod val="75000"/>
+                  </a:schemeClr>
+                </a:solidFill>
+              </a:rPr>
+              <a:t>原材料采购与</a:t>
+            </a:r>
+            <a:r>
+              <a:rPr lang="zh-CN" altLang="en-US" b="1" dirty="0"/>
+              <a:t>物流</a:t>
+            </a:r>
+            <a:endParaRPr lang="en-US" altLang="zh-CN" b="1" dirty="0"/>
+          </a:p>
+          <a:p>
+            <a:pPr lvl="1"/>
+            <a:r>
+              <a:rPr lang="zh-CN" altLang="en-US" dirty="0"/>
+              <a:t>生产计划</a:t>
+            </a:r>
+            <a:endParaRPr lang="en-US" altLang="zh-CN" dirty="0"/>
+          </a:p>
+          <a:p>
+            <a:pPr lvl="1"/>
+            <a:r>
+              <a:rPr lang="zh-CN" altLang="en-US" b="1" dirty="0"/>
+              <a:t>机加工及材料成型加工</a:t>
+            </a:r>
+            <a:endParaRPr lang="en-US" altLang="zh-CN" b="1" dirty="0"/>
+          </a:p>
+          <a:p>
+            <a:pPr lvl="1"/>
+            <a:r>
+              <a:rPr lang="zh-CN" altLang="en-US" b="1" dirty="0"/>
+              <a:t>装配</a:t>
+            </a:r>
+            <a:endParaRPr lang="en-US" altLang="zh-CN" b="1" dirty="0"/>
+          </a:p>
+          <a:p>
+            <a:pPr lvl="1"/>
+            <a:r>
+              <a:rPr lang="zh-CN" altLang="en-US" dirty="0">
+                <a:solidFill>
+                  <a:schemeClr val="bg1">
+                    <a:lumMod val="75000"/>
+                  </a:schemeClr>
+                </a:solidFill>
+              </a:rPr>
+              <a:t>营销</a:t>
+            </a:r>
+            <a:endParaRPr lang="en-US" altLang="zh-CN" dirty="0">
+              <a:solidFill>
+                <a:schemeClr val="bg1">
+                  <a:lumMod val="75000"/>
+                </a:schemeClr>
+              </a:solidFill>
+            </a:endParaRPr>
+          </a:p>
+          <a:p>
+            <a:pPr lvl="1"/>
+            <a:r>
+              <a:rPr lang="zh-CN" altLang="en-US" dirty="0">
+                <a:solidFill>
+                  <a:schemeClr val="bg1">
+                    <a:lumMod val="75000"/>
+                  </a:schemeClr>
+                </a:solidFill>
+              </a:rPr>
+              <a:t>销售</a:t>
+            </a:r>
+            <a:endParaRPr lang="en-US" altLang="zh-CN" dirty="0">
+              <a:solidFill>
+                <a:schemeClr val="bg1">
+                  <a:lumMod val="75000"/>
+                </a:schemeClr>
+              </a:solidFill>
+            </a:endParaRPr>
+          </a:p>
+          <a:p>
+            <a:pPr lvl="1"/>
+            <a:r>
+              <a:rPr lang="zh-CN" altLang="en-US" dirty="0">
+                <a:solidFill>
+                  <a:schemeClr val="bg1">
+                    <a:lumMod val="75000"/>
+                  </a:schemeClr>
+                </a:solidFill>
+              </a:rPr>
+              <a:t>配送</a:t>
+            </a:r>
+            <a:endParaRPr lang="en-US" altLang="zh-CN" dirty="0">
+              <a:solidFill>
+                <a:schemeClr val="bg1">
+                  <a:lumMod val="75000"/>
+                </a:schemeClr>
+              </a:solidFill>
+            </a:endParaRPr>
+          </a:p>
+          <a:p>
+            <a:pPr lvl="1"/>
+            <a:r>
+              <a:rPr lang="zh-CN" altLang="en-US" dirty="0">
+                <a:solidFill>
+                  <a:schemeClr val="bg1">
+                    <a:lumMod val="75000"/>
+                  </a:schemeClr>
+                </a:solidFill>
+              </a:rPr>
+              <a:t>客户服务</a:t>
+            </a:r>
+            <a:endParaRPr lang="en-US" altLang="zh-CN" dirty="0">
+              <a:solidFill>
+                <a:schemeClr val="bg1">
+                  <a:lumMod val="75000"/>
+                </a:schemeClr>
+              </a:solidFill>
+            </a:endParaRPr>
+          </a:p>
+          <a:p>
+            <a:pPr lvl="1"/>
+            <a:r>
+              <a:rPr lang="en-US" altLang="zh-CN" dirty="0" smtClean="0">
+                <a:solidFill>
+                  <a:schemeClr val="bg1">
+                    <a:lumMod val="75000"/>
+                  </a:schemeClr>
+                </a:solidFill>
+              </a:rPr>
+              <a:t>……</a:t>
+            </a:r>
+            <a:endParaRPr lang="en-US" altLang="zh-CN" dirty="0">
+              <a:solidFill>
+                <a:schemeClr val="bg1">
+                  <a:lumMod val="75000"/>
+                </a:schemeClr>
+              </a:solidFill>
+            </a:endParaRPr>
+          </a:p>
+        </p:txBody>
+      </p:sp>
+      <p:sp>
+        <p:nvSpPr>
+          <p:cNvPr id="4" name="Slide Number Placeholder 3"/>
+          <p:cNvSpPr>
+            <a:spLocks noGrp="1"/>
+          </p:cNvSpPr>
+          <p:nvPr>
+            <p:ph type="sldNum" sz="quarter" idx="12"/>
+          </p:nvPr>
+        </p:nvSpPr>
+        <p:spPr/>
+        <p:txBody>
+          <a:bodyPr/>
+          <a:lstStyle/>
+          <a:p>
+            <a:fld id="{D57F1E4F-1CFF-5643-939E-217C01CDF565}" type="slidenum">
+              <a:rPr lang="en-US" smtClean="0"/>
+              <a:pPr/>
+              <a:t>13</a:t>
+            </a:fld>
+            <a:endParaRPr lang="en-US" dirty="0"/>
+          </a:p>
+        </p:txBody>
+      </p:sp>
+    </p:spTree>
+    <p:extLst>
+      <p:ext uri="{BB962C8B-B14F-4D97-AF65-F5344CB8AC3E}">
+        <p14:creationId xmlns:p14="http://schemas.microsoft.com/office/powerpoint/2010/main" val="1977267441"/>
+      </p:ext>
+    </p:extLst>
+  </p:cSld>
+  <p:clrMapOvr>
+    <a:masterClrMapping/>
+  </p:clrMapOvr>
+</p:sld>
+</file>
+
+<file path=ppt/slides/slide14.xml><?xml version="1.0" encoding="utf-8"?>
+<p:sld xmlns:a="http://schemas.openxmlformats.org/drawingml/2006/main" xmlns:r="http://schemas.openxmlformats.org/officeDocument/2006/relationships" xmlns:p="http://schemas.openxmlformats.org/presentationml/2006/main">
+  <p:cSld>
+    <p:spTree>
+      <p:nvGrpSpPr>
+        <p:cNvPr id="1" name=""/>
+        <p:cNvGrpSpPr/>
+        <p:nvPr/>
+      </p:nvGrpSpPr>
+      <p:grpSpPr>
+        <a:xfrm>
+          <a:off x="0" y="0"/>
+          <a:ext cx="0" cy="0"/>
+          <a:chOff x="0" y="0"/>
+          <a:chExt cx="0" cy="0"/>
+        </a:xfrm>
+      </p:grpSpPr>
+      <p:sp>
+        <p:nvSpPr>
+          <p:cNvPr id="2" name="标题 1"/>
+          <p:cNvSpPr>
+            <a:spLocks noGrp="1"/>
+          </p:cNvSpPr>
+          <p:nvPr>
+            <p:ph type="title"/>
+          </p:nvPr>
+        </p:nvSpPr>
+        <p:spPr/>
+        <p:txBody>
+          <a:bodyPr/>
+          <a:lstStyle/>
+          <a:p>
+            <a:r>
+              <a:rPr lang="zh-CN" altLang="en-US" dirty="0" smtClean="0"/>
+              <a:t>视频：超级工厂</a:t>
+            </a:r>
+            <a:endParaRPr lang="zh-CN" altLang="en-US" dirty="0"/>
+          </a:p>
+        </p:txBody>
+      </p:sp>
+      <p:sp>
+        <p:nvSpPr>
+          <p:cNvPr id="6" name="内容占位符 5"/>
+          <p:cNvSpPr>
+            <a:spLocks noGrp="1"/>
+          </p:cNvSpPr>
+          <p:nvPr>
+            <p:ph idx="1"/>
+          </p:nvPr>
+        </p:nvSpPr>
+        <p:spPr/>
+        <p:txBody>
+          <a:bodyPr/>
+          <a:lstStyle/>
+          <a:p>
+            <a:endParaRPr lang="zh-CN" altLang="en-US"/>
+          </a:p>
+        </p:txBody>
+      </p:sp>
+      <p:sp>
+        <p:nvSpPr>
+          <p:cNvPr id="5" name="灯片编号占位符 4"/>
+          <p:cNvSpPr>
+            <a:spLocks noGrp="1"/>
+          </p:cNvSpPr>
+          <p:nvPr>
+            <p:ph type="sldNum" sz="quarter" idx="12"/>
+          </p:nvPr>
+        </p:nvSpPr>
+        <p:spPr/>
+        <p:txBody>
+          <a:bodyPr/>
+          <a:lstStyle/>
+          <a:p>
+            <a:fld id="{6FF9F0C5-380F-41C2-899A-BAC0F0927E16}" type="slidenum">
+              <a:rPr lang="en-US" smtClean="0"/>
+              <a:t>14</a:t>
+            </a:fld>
+            <a:endParaRPr lang="en-US" dirty="0"/>
+          </a:p>
+        </p:txBody>
+      </p:sp>
+    </p:spTree>
+    <p:extLst>
+      <p:ext uri="{BB962C8B-B14F-4D97-AF65-F5344CB8AC3E}">
+        <p14:creationId xmlns:p14="http://schemas.microsoft.com/office/powerpoint/2010/main" val="3875602635"/>
+      </p:ext>
+    </p:extLst>
+  </p:cSld>
+  <p:clrMapOvr>
+    <a:masterClrMapping/>
+  </p:clrMapOvr>
+</p:sld>
+</file>
+
+<file path=ppt/slides/slide15.xml><?xml version="1.0" encoding="utf-8"?>
+<p:sld xmlns:a="http://schemas.openxmlformats.org/drawingml/2006/main" xmlns:r="http://schemas.openxmlformats.org/officeDocument/2006/relationships" xmlns:p="http://schemas.openxmlformats.org/presentationml/2006/main">
+  <p:cSld>
+    <p:spTree>
+      <p:nvGrpSpPr>
+        <p:cNvPr id="1" name=""/>
+        <p:cNvGrpSpPr/>
+        <p:nvPr/>
+      </p:nvGrpSpPr>
+      <p:grpSpPr>
+        <a:xfrm>
+          <a:off x="0" y="0"/>
+          <a:ext cx="0" cy="0"/>
+          <a:chOff x="0" y="0"/>
+          <a:chExt cx="0" cy="0"/>
+        </a:xfrm>
+      </p:grpSpPr>
+      <p:sp>
+        <p:nvSpPr>
+          <p:cNvPr id="2" name="标题 1"/>
+          <p:cNvSpPr>
+            <a:spLocks noGrp="1"/>
+          </p:cNvSpPr>
+          <p:nvPr>
+            <p:ph type="title"/>
+          </p:nvPr>
+        </p:nvSpPr>
+        <p:spPr/>
+        <p:txBody>
+          <a:bodyPr/>
+          <a:lstStyle/>
+          <a:p>
+            <a:r>
+              <a:rPr lang="zh-CN" altLang="en-US" dirty="0" smtClean="0"/>
+              <a:t>常见的工业系统组件</a:t>
+            </a:r>
+            <a:endParaRPr lang="zh-CN" altLang="en-US" dirty="0"/>
+          </a:p>
+        </p:txBody>
+      </p:sp>
+      <p:sp>
+        <p:nvSpPr>
+          <p:cNvPr id="7" name="内容占位符 6"/>
+          <p:cNvSpPr>
+            <a:spLocks noGrp="1"/>
+          </p:cNvSpPr>
+          <p:nvPr>
+            <p:ph sz="half" idx="1"/>
+          </p:nvPr>
+        </p:nvSpPr>
+        <p:spPr/>
+        <p:txBody>
+          <a:bodyPr/>
+          <a:lstStyle/>
+          <a:p>
+            <a:pPr marL="0" indent="0" algn="ctr">
+              <a:buNone/>
+            </a:pPr>
+            <a:r>
+              <a:rPr lang="zh-CN" altLang="en-US" dirty="0" smtClean="0"/>
+              <a:t>加工制造设施及设备</a:t>
+            </a:r>
+            <a:endParaRPr lang="en-US" altLang="zh-CN" dirty="0" smtClean="0"/>
+          </a:p>
+          <a:p>
+            <a:r>
+              <a:rPr lang="zh-CN" altLang="en-US" dirty="0" smtClean="0"/>
+              <a:t>材料成型</a:t>
+            </a:r>
+            <a:endParaRPr lang="en-US" altLang="zh-CN" dirty="0" smtClean="0"/>
+          </a:p>
+          <a:p>
+            <a:r>
+              <a:rPr lang="zh-CN" altLang="en-US" dirty="0" smtClean="0"/>
+              <a:t>机械加工</a:t>
+            </a:r>
+            <a:endParaRPr lang="en-US" altLang="zh-CN" dirty="0" smtClean="0"/>
+          </a:p>
+          <a:p>
+            <a:r>
+              <a:rPr lang="zh-CN" altLang="en-US" dirty="0" smtClean="0"/>
+              <a:t>装配</a:t>
+            </a:r>
+            <a:endParaRPr lang="zh-CN" altLang="en-US" dirty="0"/>
+          </a:p>
+        </p:txBody>
+      </p:sp>
+      <p:sp>
+        <p:nvSpPr>
+          <p:cNvPr id="8" name="内容占位符 7"/>
+          <p:cNvSpPr>
+            <a:spLocks noGrp="1"/>
+          </p:cNvSpPr>
+          <p:nvPr>
+            <p:ph sz="half" idx="2"/>
+          </p:nvPr>
+        </p:nvSpPr>
+        <p:spPr/>
+        <p:txBody>
+          <a:bodyPr/>
+          <a:lstStyle/>
+          <a:p>
+            <a:pPr marL="0" indent="0" algn="ctr">
+              <a:buNone/>
+            </a:pPr>
+            <a:r>
+              <a:rPr lang="zh-CN" altLang="en-US" dirty="0" smtClean="0"/>
+              <a:t>配套辅助设施及设备</a:t>
+            </a:r>
+            <a:endParaRPr lang="en-US" altLang="zh-CN" dirty="0" smtClean="0"/>
+          </a:p>
+          <a:p>
+            <a:r>
+              <a:rPr lang="zh-CN" altLang="en-US" dirty="0" smtClean="0"/>
+              <a:t>传送带</a:t>
+            </a:r>
+            <a:endParaRPr lang="en-US" altLang="zh-CN" dirty="0" smtClean="0"/>
+          </a:p>
+          <a:p>
+            <a:r>
+              <a:rPr lang="zh-CN" altLang="en-US" dirty="0" smtClean="0"/>
+              <a:t>工装（夹具）</a:t>
+            </a:r>
+            <a:endParaRPr lang="en-US" altLang="zh-CN" dirty="0" smtClean="0"/>
+          </a:p>
+          <a:p>
+            <a:r>
+              <a:rPr lang="zh-CN" altLang="en-US" dirty="0" smtClean="0"/>
+              <a:t>工业机器人</a:t>
+            </a:r>
+            <a:endParaRPr lang="en-US" altLang="zh-CN" dirty="0" smtClean="0"/>
+          </a:p>
+          <a:p>
+            <a:endParaRPr lang="zh-CN" altLang="en-US" dirty="0"/>
+          </a:p>
+        </p:txBody>
+      </p:sp>
+      <p:sp>
+        <p:nvSpPr>
+          <p:cNvPr id="5" name="灯片编号占位符 4"/>
+          <p:cNvSpPr>
+            <a:spLocks noGrp="1"/>
+          </p:cNvSpPr>
+          <p:nvPr>
+            <p:ph type="sldNum" sz="quarter" idx="12"/>
+          </p:nvPr>
+        </p:nvSpPr>
+        <p:spPr/>
+        <p:txBody>
+          <a:bodyPr/>
+          <a:lstStyle/>
+          <a:p>
+            <a:fld id="{6FF9F0C5-380F-41C2-899A-BAC0F0927E16}" type="slidenum">
+              <a:rPr lang="en-US" smtClean="0"/>
+              <a:t>15</a:t>
+            </a:fld>
+            <a:endParaRPr lang="en-US" dirty="0"/>
+          </a:p>
+        </p:txBody>
+      </p:sp>
+    </p:spTree>
+    <p:extLst>
+      <p:ext uri="{BB962C8B-B14F-4D97-AF65-F5344CB8AC3E}">
+        <p14:creationId xmlns:p14="http://schemas.microsoft.com/office/powerpoint/2010/main" val="513234562"/>
+      </p:ext>
+    </p:extLst>
+  </p:cSld>
+  <p:clrMapOvr>
+    <a:masterClrMapping/>
+  </p:clrMapOvr>
+</p:sld>
+</file>
+
+<file path=ppt/slides/slide16.xml><?xml version="1.0" encoding="utf-8"?>
+<p:sld xmlns:a="http://schemas.openxmlformats.org/drawingml/2006/main" xmlns:r="http://schemas.openxmlformats.org/officeDocument/2006/relationships" xmlns:p="http://schemas.openxmlformats.org/presentationml/2006/main">
+  <p:cSld>
+    <p:spTree>
+      <p:nvGrpSpPr>
+        <p:cNvPr id="1" name=""/>
+        <p:cNvGrpSpPr/>
+        <p:nvPr/>
+      </p:nvGrpSpPr>
+      <p:grpSpPr>
+        <a:xfrm>
+          <a:off x="0" y="0"/>
+          <a:ext cx="0" cy="0"/>
+          <a:chOff x="0" y="0"/>
+          <a:chExt cx="0" cy="0"/>
+        </a:xfrm>
+      </p:grpSpPr>
+      <p:sp>
+        <p:nvSpPr>
+          <p:cNvPr id="2" name="Title 1"/>
+          <p:cNvSpPr>
+            <a:spLocks noGrp="1"/>
+          </p:cNvSpPr>
+          <p:nvPr>
+            <p:ph type="title"/>
+          </p:nvPr>
+        </p:nvSpPr>
+        <p:spPr/>
+        <p:txBody>
+          <a:bodyPr/>
+          <a:lstStyle/>
+          <a:p>
+            <a:r>
+              <a:rPr lang="zh-CN" altLang="en-US" dirty="0" smtClean="0"/>
+              <a:t>本周作业</a:t>
+            </a:r>
+            <a:endParaRPr lang="en-US" dirty="0"/>
+          </a:p>
+        </p:txBody>
+      </p:sp>
+      <p:sp>
+        <p:nvSpPr>
+          <p:cNvPr id="3" name="Content Placeholder 2"/>
+          <p:cNvSpPr>
+            <a:spLocks noGrp="1"/>
+          </p:cNvSpPr>
+          <p:nvPr>
+            <p:ph idx="1"/>
+          </p:nvPr>
+        </p:nvSpPr>
+        <p:spPr/>
+        <p:txBody>
+          <a:bodyPr/>
+          <a:lstStyle/>
+          <a:p>
+            <a:endParaRPr lang="en-US" dirty="0"/>
+          </a:p>
+        </p:txBody>
+      </p:sp>
+      <p:sp>
+        <p:nvSpPr>
+          <p:cNvPr id="4" name="Slide Number Placeholder 3"/>
+          <p:cNvSpPr>
+            <a:spLocks noGrp="1"/>
+          </p:cNvSpPr>
+          <p:nvPr>
+            <p:ph type="sldNum" sz="quarter" idx="12"/>
+          </p:nvPr>
+        </p:nvSpPr>
+        <p:spPr/>
+        <p:txBody>
+          <a:bodyPr/>
+          <a:lstStyle/>
+          <a:p>
+            <a:fld id="{D57F1E4F-1CFF-5643-939E-217C01CDF565}" type="slidenum">
+              <a:rPr lang="en-US" smtClean="0"/>
+              <a:pPr/>
+              <a:t>16</a:t>
             </a:fld>
             <a:endParaRPr lang="en-US" dirty="0"/>
           </a:p>
@@ -8786,7 +10134,7 @@
       </p:grpSpPr>
       <p:sp>
         <p:nvSpPr>
-          <p:cNvPr id="2" name="Title 1"/>
+          <p:cNvPr id="5" name="标题 4"/>
           <p:cNvSpPr>
             <a:spLocks noGrp="1"/>
           </p:cNvSpPr>
@@ -8799,18 +10147,26 @@
           <a:bodyPr/>
           <a:lstStyle/>
           <a:p>
-            <a:endParaRPr lang="en-US"/>
-          </a:p>
-        </p:txBody>
-      </p:sp>
-      <p:sp>
-        <p:nvSpPr>
-          <p:cNvPr id="3" name="Content Placeholder 2"/>
-          <p:cNvSpPr>
-            <a:spLocks noGrp="1"/>
-          </p:cNvSpPr>
-          <p:nvPr>
-            <p:ph idx="1"/>
+            <a:r>
+              <a:rPr lang="en-US" altLang="zh-CN" dirty="0" smtClean="0"/>
+              <a:t>CH01</a:t>
+            </a:r>
+            <a:r>
+              <a:rPr lang="zh-CN" altLang="en-US" dirty="0" smtClean="0"/>
+              <a:t> 制造系统导言</a:t>
+            </a:r>
+            <a:endParaRPr lang="zh-CN" altLang="en-US" dirty="0"/>
+          </a:p>
+        </p:txBody>
+      </p:sp>
+      <p:sp>
+        <p:nvSpPr>
+          <p:cNvPr id="6" name="文本占位符 5"/>
+          <p:cNvSpPr>
+            <a:spLocks noGrp="1"/>
+          </p:cNvSpPr>
+          <p:nvPr>
+            <p:ph type="body" idx="1"/>
           </p:nvPr>
         </p:nvSpPr>
         <p:spPr/>
@@ -8818,13 +10174,13 @@
           <a:bodyPr/>
           <a:lstStyle/>
           <a:p>
-            <a:endParaRPr lang="en-US"/>
-          </a:p>
-        </p:txBody>
-      </p:sp>
-      <p:sp>
-        <p:nvSpPr>
-          <p:cNvPr id="4" name="Slide Number Placeholder 3"/>
+            <a:endParaRPr lang="zh-CN" altLang="en-US" dirty="0"/>
+          </a:p>
+        </p:txBody>
+      </p:sp>
+      <p:sp>
+        <p:nvSpPr>
+          <p:cNvPr id="4" name="灯片编号占位符 3"/>
           <p:cNvSpPr>
             <a:spLocks noGrp="1"/>
           </p:cNvSpPr>
@@ -8849,7 +10205,7 @@
     </p:spTree>
     <p:extLst>
       <p:ext uri="{BB962C8B-B14F-4D97-AF65-F5344CB8AC3E}">
-        <p14:creationId xmlns:p14="http://schemas.microsoft.com/office/powerpoint/2010/main" val="144890588"/>
+        <p14:creationId xmlns:p14="http://schemas.microsoft.com/office/powerpoint/2010/main" val="2918977211"/>
       </p:ext>
     </p:extLst>
   </p:cSld>
@@ -8891,7 +10247,19 @@
           <a:bodyPr/>
           <a:lstStyle/>
           <a:p>
-            <a:endParaRPr lang="en-US"/>
+            <a:r>
+              <a:rPr lang="zh-CN" altLang="en-US" dirty="0"/>
+              <a:t>想一想</a:t>
+            </a:r>
+            <a:r>
+              <a:rPr lang="zh-CN" altLang="en-US" dirty="0" smtClean="0"/>
+              <a:t>你身边的物品</a:t>
+            </a:r>
+            <a:r>
+              <a:rPr lang="en-US" altLang="zh-CN" dirty="0" smtClean="0"/>
+              <a:t>……</a:t>
+            </a:r>
+            <a:endParaRPr lang="en-US" dirty="0"/>
           </a:p>
         </p:txBody>
       </p:sp>
@@ -8910,7 +10278,31 @@
           <a:bodyPr/>
           <a:lstStyle/>
           <a:p>
-            <a:endParaRPr lang="en-US"/>
+            <a:r>
+              <a:rPr lang="zh-CN" altLang="en-US" dirty="0" smtClean="0"/>
+              <a:t>说说有哪些是制造业生产出来的产品</a:t>
+            </a:r>
+            <a:endParaRPr lang="en-US" altLang="zh-CN" dirty="0" smtClean="0"/>
+          </a:p>
+          <a:p>
+            <a:endParaRPr lang="en-US" dirty="0"/>
+          </a:p>
+          <a:p>
+            <a:r>
+              <a:rPr lang="zh-CN" altLang="en-US" dirty="0" smtClean="0"/>
+              <a:t>有哪些共同点？</a:t>
+            </a:r>
+            <a:endParaRPr lang="en-US" altLang="zh-CN" dirty="0" smtClean="0"/>
+          </a:p>
+          <a:p>
+            <a:endParaRPr lang="en-US" altLang="zh-CN" dirty="0" smtClean="0"/>
+          </a:p>
+          <a:p>
+            <a:r>
+              <a:rPr lang="zh-CN" altLang="en-US" dirty="0" smtClean="0"/>
+              <a:t>有哪些差异？</a:t>
+            </a:r>
+            <a:endParaRPr lang="en-US" dirty="0"/>
           </a:p>
         </p:txBody>
       </p:sp>
@@ -8941,7 +10333,7 @@
     </p:spTree>
     <p:extLst>
       <p:ext uri="{BB962C8B-B14F-4D97-AF65-F5344CB8AC3E}">
-        <p14:creationId xmlns:p14="http://schemas.microsoft.com/office/powerpoint/2010/main" val="1059420233"/>
+        <p14:creationId xmlns:p14="http://schemas.microsoft.com/office/powerpoint/2010/main" val="144890588"/>
       </p:ext>
     </p:extLst>
   </p:cSld>
@@ -8959,7 +10351,7 @@
         <a:sysClr val="windowText" lastClr="000000"/>
       </a:dk1>
       <a:lt1>
-        <a:sysClr val="window" lastClr="FFFFFF"/>
+        <a:sysClr val="window" lastClr="F0FFC8"/>
       </a:lt1>
       <a:dk2>
         <a:srgbClr val="2C3C43"/>
@@ -9216,7 +10608,7 @@
         <a:sysClr val="windowText" lastClr="000000"/>
       </a:dk1>
       <a:lt1>
-        <a:sysClr val="window" lastClr="FFFFFF"/>
+        <a:sysClr val="window" lastClr="F0FFC8"/>
       </a:lt1>
       <a:dk2>
         <a:srgbClr val="44546A"/>

--- a/工业系统概论/课程方案/工业系统沙盘01-制造系统导言.pptx
+++ b/工业系统概论/课程方案/工业系统沙盘01-制造系统导言.pptx
@@ -5,7 +5,7 @@
     <p:sldMasterId id="2147483648" r:id="rId1"/>
   </p:sldMasterIdLst>
   <p:notesMasterIdLst>
-    <p:notesMasterId r:id="rId18"/>
+    <p:notesMasterId r:id="rId22"/>
   </p:notesMasterIdLst>
   <p:sldIdLst>
     <p:sldId id="256" r:id="rId2"/>
@@ -22,8 +22,12 @@
     <p:sldId id="281" r:id="rId13"/>
     <p:sldId id="283" r:id="rId14"/>
     <p:sldId id="282" r:id="rId15"/>
-    <p:sldId id="284" r:id="rId16"/>
-    <p:sldId id="276" r:id="rId17"/>
+    <p:sldId id="287" r:id="rId16"/>
+    <p:sldId id="284" r:id="rId17"/>
+    <p:sldId id="286" r:id="rId18"/>
+    <p:sldId id="288" r:id="rId19"/>
+    <p:sldId id="285" r:id="rId20"/>
+    <p:sldId id="276" r:id="rId21"/>
   </p:sldIdLst>
   <p:sldSz cx="12192000" cy="6858000"/>
   <p:notesSz cx="6797675" cy="9928225"/>
@@ -212,7 +216,7 @@
           <a:p>
             <a:fld id="{0EA905B9-5A77-3949-9D50-CC0ACDE72614}" type="datetimeFigureOut">
               <a:rPr lang="en-US" smtClean="0"/>
-              <a:t>2/25/2016</a:t>
+              <a:t>2/26/16</a:t>
             </a:fld>
             <a:endParaRPr lang="en-US"/>
           </a:p>
@@ -1286,7 +1290,7 @@
           <a:p>
             <a:fld id="{274AC28A-37E9-1048-8179-C6852B53B05F}" type="datetime1">
               <a:rPr lang="en-US" smtClean="0"/>
-              <a:t>2/25/2016</a:t>
+              <a:t>2/26/16</a:t>
             </a:fld>
             <a:endParaRPr lang="en-US" dirty="0"/>
           </a:p>
@@ -1568,7 +1572,7 @@
           <a:p>
             <a:fld id="{FF7342F3-E89F-8442-9824-6E2934AE199B}" type="datetime1">
               <a:rPr lang="en-US" smtClean="0"/>
-              <a:t>2/25/2016</a:t>
+              <a:t>2/26/16</a:t>
             </a:fld>
             <a:endParaRPr lang="en-US" dirty="0"/>
           </a:p>
@@ -1878,7 +1882,7 @@
           <a:p>
             <a:fld id="{4C6CAE23-18CE-EB49-A6BF-DD68F4559AB5}" type="datetime1">
               <a:rPr lang="en-US" smtClean="0"/>
-              <a:t>2/25/2016</a:t>
+              <a:t>2/26/16</a:t>
             </a:fld>
             <a:endParaRPr lang="en-US" dirty="0"/>
           </a:p>
@@ -2215,7 +2219,7 @@
           <a:p>
             <a:fld id="{E8D5AAB9-29E7-0B45-9CE2-D7D92F914521}" type="datetime1">
               <a:rPr lang="en-US" smtClean="0"/>
-              <a:t>2/25/2016</a:t>
+              <a:t>2/26/16</a:t>
             </a:fld>
             <a:endParaRPr lang="en-US" dirty="0"/>
           </a:p>
@@ -2525,7 +2529,7 @@
           <a:p>
             <a:fld id="{49A78FDA-579C-6048-85D3-8F243976ED3E}" type="datetime1">
               <a:rPr lang="en-US" smtClean="0"/>
-              <a:t>2/25/2016</a:t>
+              <a:t>2/26/16</a:t>
             </a:fld>
             <a:endParaRPr lang="en-US" dirty="0"/>
           </a:p>
@@ -2914,7 +2918,7 @@
           <a:p>
             <a:fld id="{C46FC4DA-9631-2F4B-806C-401BBC1410A7}" type="datetime1">
               <a:rPr lang="en-US" smtClean="0"/>
-              <a:t>2/25/2016</a:t>
+              <a:t>2/26/16</a:t>
             </a:fld>
             <a:endParaRPr lang="en-US" dirty="0"/>
           </a:p>
@@ -3080,7 +3084,7 @@
           <a:p>
             <a:fld id="{0E91A988-FB2F-9345-9DC8-382DFD0EE0ED}" type="datetime1">
               <a:rPr lang="en-US" smtClean="0"/>
-              <a:t>2/25/2016</a:t>
+              <a:t>2/26/16</a:t>
             </a:fld>
             <a:endParaRPr lang="en-US" dirty="0"/>
           </a:p>
@@ -3255,7 +3259,7 @@
           <a:p>
             <a:fld id="{C6500F06-281F-6E47-BC04-F2052671E916}" type="datetime1">
               <a:rPr lang="en-US" smtClean="0"/>
-              <a:t>2/25/2016</a:t>
+              <a:t>2/26/16</a:t>
             </a:fld>
             <a:endParaRPr lang="en-US" dirty="0"/>
           </a:p>
@@ -3427,7 +3431,7 @@
           <a:p>
             <a:fld id="{D4641A75-638B-EA49-A2E0-32073B2DE532}" type="datetime1">
               <a:rPr lang="en-US" smtClean="0"/>
-              <a:t>2/25/2016</a:t>
+              <a:t>2/26/16</a:t>
             </a:fld>
             <a:endParaRPr lang="en-US" dirty="0"/>
           </a:p>
@@ -3670,7 +3674,7 @@
           <a:p>
             <a:fld id="{54A17D37-7B62-2748-AC42-D51A2864EB98}" type="datetime1">
               <a:rPr lang="en-US" smtClean="0"/>
-              <a:t>2/25/2016</a:t>
+              <a:t>2/26/16</a:t>
             </a:fld>
             <a:endParaRPr lang="en-US" dirty="0"/>
           </a:p>
@@ -3898,7 +3902,7 @@
           <a:p>
             <a:fld id="{71335C65-4278-1544-8C0D-543EEE240DB0}" type="datetime1">
               <a:rPr lang="en-US" smtClean="0"/>
-              <a:t>2/25/2016</a:t>
+              <a:t>2/26/16</a:t>
             </a:fld>
             <a:endParaRPr lang="en-US" dirty="0"/>
           </a:p>
@@ -4267,7 +4271,7 @@
           <a:p>
             <a:fld id="{1179E81E-9A2B-6844-A2DD-8678792AA303}" type="datetime1">
               <a:rPr lang="en-US" smtClean="0"/>
-              <a:t>2/25/2016</a:t>
+              <a:t>2/26/16</a:t>
             </a:fld>
             <a:endParaRPr lang="en-US" dirty="0"/>
           </a:p>
@@ -4386,7 +4390,7 @@
           <a:p>
             <a:fld id="{EDF12B6F-48A5-7E4A-9B80-F827833063D4}" type="datetime1">
               <a:rPr lang="en-US" smtClean="0"/>
-              <a:t>2/25/2016</a:t>
+              <a:t>2/26/16</a:t>
             </a:fld>
             <a:endParaRPr lang="en-US" dirty="0"/>
           </a:p>
@@ -4477,7 +4481,7 @@
           <a:p>
             <a:fld id="{7AC43E29-6941-664D-8421-8F03E029149B}" type="datetime1">
               <a:rPr lang="en-US" smtClean="0"/>
-              <a:t>2/25/2016</a:t>
+              <a:t>2/26/16</a:t>
             </a:fld>
             <a:endParaRPr lang="en-US" dirty="0"/>
           </a:p>
@@ -4728,7 +4732,7 @@
           <a:p>
             <a:fld id="{646194B7-C092-164E-9BB7-F99445E79879}" type="datetime1">
               <a:rPr lang="en-US" smtClean="0"/>
-              <a:t>2/25/2016</a:t>
+              <a:t>2/26/16</a:t>
             </a:fld>
             <a:endParaRPr lang="en-US" dirty="0"/>
           </a:p>
@@ -4986,7 +4990,7 @@
           <a:p>
             <a:fld id="{A5909F34-5D05-9B43-9CEB-449A57FC61E4}" type="datetime1">
               <a:rPr lang="en-US" smtClean="0"/>
-              <a:t>2/25/2016</a:t>
+              <a:t>2/26/16</a:t>
             </a:fld>
             <a:endParaRPr lang="en-US" dirty="0"/>
           </a:p>
@@ -5725,7 +5729,7 @@
           <a:p>
             <a:fld id="{A39DEFD7-D3F8-E149-BC67-AB616DFAE7C0}" type="datetime1">
               <a:rPr lang="en-US" smtClean="0"/>
-              <a:t>2/25/2016</a:t>
+              <a:t>2/26/16</a:t>
             </a:fld>
             <a:endParaRPr lang="en-US" dirty="0"/>
           </a:p>
@@ -7319,8 +7323,15 @@
             </a:r>
             <a:r>
               <a:rPr lang="zh-CN" altLang="en-US" dirty="0" smtClean="0"/>
-              <a:t>带包装的瓷碗</a:t>
-            </a:r>
+              <a:t>带包装的</a:t>
+            </a:r>
+            <a:r>
+              <a:rPr lang="zh-CN" altLang="en-US" dirty="0" smtClean="0"/>
+              <a:t>瓷碗</a:t>
+            </a:r>
+            <a:endParaRPr lang="en-US" altLang="zh-CN" dirty="0" smtClean="0"/>
+          </a:p>
+          <a:p>
             <a:endParaRPr lang="en-US" altLang="zh-CN" dirty="0" smtClean="0"/>
           </a:p>
         </p:txBody>
@@ -7569,7 +7580,11 @@
             </a:r>
             <a:r>
               <a:rPr lang="zh-CN" altLang="en-US" dirty="0" smtClean="0"/>
-              <a:t>带包装的瓷碗</a:t>
+              <a:t>带包装的</a:t>
+            </a:r>
+            <a:r>
+              <a:rPr lang="zh-CN" altLang="en-US" dirty="0" smtClean="0"/>
+              <a:t>瓷碗</a:t>
             </a:r>
             <a:endParaRPr lang="en-US" altLang="zh-CN" dirty="0" smtClean="0"/>
           </a:p>
@@ -7933,7 +7948,7 @@
       </p:grpSpPr>
       <p:sp>
         <p:nvSpPr>
-          <p:cNvPr id="2" name="标题 1"/>
+          <p:cNvPr id="2" name="Title 1"/>
           <p:cNvSpPr>
             <a:spLocks noGrp="1"/>
           </p:cNvSpPr>
@@ -7948,20 +7963,20 @@
           <a:p>
             <a:r>
               <a:rPr lang="zh-CN" altLang="en-US" dirty="0" smtClean="0"/>
-              <a:t>常见的工业系统组件</a:t>
-            </a:r>
-            <a:endParaRPr lang="zh-CN" altLang="en-US" dirty="0"/>
-          </a:p>
-        </p:txBody>
-      </p:sp>
-      <p:sp>
-        <p:nvSpPr>
-          <p:cNvPr id="7" name="内容占位符 6"/>
-          <p:cNvSpPr>
-            <a:spLocks noGrp="1"/>
-          </p:cNvSpPr>
-          <p:nvPr>
-            <p:ph sz="half" idx="1"/>
+              <a:t>工业制成品</a:t>
+            </a:r>
+            <a:endParaRPr lang="en-US" dirty="0"/>
+          </a:p>
+        </p:txBody>
+      </p:sp>
+      <p:sp>
+        <p:nvSpPr>
+          <p:cNvPr id="3" name="Content Placeholder 2"/>
+          <p:cNvSpPr>
+            <a:spLocks noGrp="1"/>
+          </p:cNvSpPr>
+          <p:nvPr>
+            <p:ph idx="1"/>
           </p:nvPr>
         </p:nvSpPr>
         <p:spPr/>
@@ -7969,46 +7984,45 @@
           <a:bodyPr/>
           <a:lstStyle/>
           <a:p>
-            <a:pPr marL="0" indent="0" algn="ctr">
-              <a:buNone/>
-            </a:pPr>
-            <a:r>
-              <a:rPr lang="zh-CN" altLang="en-US" dirty="0" smtClean="0"/>
-              <a:t>加工制造设施及设备</a:t>
+            <a:r>
+              <a:rPr lang="zh-CN" altLang="en-US" dirty="0" smtClean="0"/>
+              <a:t>离散生产</a:t>
             </a:r>
             <a:endParaRPr lang="en-US" altLang="zh-CN" dirty="0" smtClean="0"/>
           </a:p>
           <a:p>
-            <a:r>
-              <a:rPr lang="zh-CN" altLang="en-US" dirty="0" smtClean="0"/>
-              <a:t>材料成型</a:t>
+            <a:pPr lvl="1"/>
+            <a:r>
+              <a:rPr lang="zh-CN" altLang="en-US" dirty="0" smtClean="0"/>
+              <a:t>单件产出的，例如电视机</a:t>
+            </a:r>
+            <a:endParaRPr lang="en-US" altLang="zh-CN" dirty="0"/>
+          </a:p>
+          <a:p>
+            <a:r>
+              <a:rPr lang="zh-CN" altLang="en-US" dirty="0" smtClean="0"/>
+              <a:t>连续生产</a:t>
             </a:r>
             <a:endParaRPr lang="en-US" altLang="zh-CN" dirty="0" smtClean="0"/>
           </a:p>
           <a:p>
-            <a:r>
-              <a:rPr lang="zh-CN" altLang="en-US" dirty="0" smtClean="0"/>
-              <a:t>机械加工</a:t>
+            <a:pPr lvl="1"/>
+            <a:r>
+              <a:rPr lang="zh-CN" altLang="en-US" dirty="0" smtClean="0"/>
+              <a:t>啤酒</a:t>
             </a:r>
             <a:endParaRPr lang="en-US" altLang="zh-CN" dirty="0" smtClean="0"/>
           </a:p>
-          <a:p>
-            <a:r>
-              <a:rPr lang="zh-CN" altLang="en-US" dirty="0" smtClean="0"/>
-              <a:t>装配</a:t>
-            </a:r>
-            <a:endParaRPr lang="zh-CN" altLang="en-US" dirty="0"/>
-          </a:p>
-        </p:txBody>
-      </p:sp>
-      <p:sp>
-        <p:nvSpPr>
-          <p:cNvPr id="8" name="内容占位符 7"/>
-          <p:cNvSpPr>
-            <a:spLocks noGrp="1"/>
-          </p:cNvSpPr>
-          <p:nvPr>
-            <p:ph sz="half" idx="2"/>
+        </p:txBody>
+      </p:sp>
+      <p:sp>
+        <p:nvSpPr>
+          <p:cNvPr id="4" name="Slide Number Placeholder 3"/>
+          <p:cNvSpPr>
+            <a:spLocks noGrp="1"/>
+          </p:cNvSpPr>
+          <p:nvPr>
+            <p:ph type="sldNum" sz="quarter" idx="12"/>
           </p:nvPr>
         </p:nvSpPr>
         <p:spPr/>
@@ -8016,58 +8030,9 @@
           <a:bodyPr/>
           <a:lstStyle/>
           <a:p>
-            <a:pPr marL="0" indent="0" algn="ctr">
-              <a:buNone/>
-            </a:pPr>
-            <a:r>
-              <a:rPr lang="zh-CN" altLang="en-US" dirty="0" smtClean="0"/>
-              <a:t>配套辅助设施及设备</a:t>
-            </a:r>
-            <a:endParaRPr lang="en-US" altLang="zh-CN" dirty="0" smtClean="0"/>
-          </a:p>
-          <a:p>
-            <a:r>
-              <a:rPr lang="zh-CN" altLang="en-US" dirty="0" smtClean="0"/>
-              <a:t>传送带</a:t>
-            </a:r>
-            <a:endParaRPr lang="en-US" altLang="zh-CN" dirty="0" smtClean="0"/>
-          </a:p>
-          <a:p>
-            <a:r>
-              <a:rPr lang="zh-CN" altLang="en-US" dirty="0" smtClean="0"/>
-              <a:t>工装（夹具）</a:t>
-            </a:r>
-            <a:endParaRPr lang="en-US" altLang="zh-CN" dirty="0" smtClean="0"/>
-          </a:p>
-          <a:p>
-            <a:r>
-              <a:rPr lang="zh-CN" altLang="en-US" dirty="0" smtClean="0"/>
-              <a:t>工业机器人</a:t>
-            </a:r>
-            <a:endParaRPr lang="en-US" altLang="zh-CN" dirty="0" smtClean="0"/>
-          </a:p>
-          <a:p>
-            <a:endParaRPr lang="zh-CN" altLang="en-US" dirty="0"/>
-          </a:p>
-        </p:txBody>
-      </p:sp>
-      <p:sp>
-        <p:nvSpPr>
-          <p:cNvPr id="5" name="灯片编号占位符 4"/>
-          <p:cNvSpPr>
-            <a:spLocks noGrp="1"/>
-          </p:cNvSpPr>
-          <p:nvPr>
-            <p:ph type="sldNum" sz="quarter" idx="12"/>
-          </p:nvPr>
-        </p:nvSpPr>
-        <p:spPr/>
-        <p:txBody>
-          <a:bodyPr/>
-          <a:lstStyle/>
-          <a:p>
-            <a:fld id="{6FF9F0C5-380F-41C2-899A-BAC0F0927E16}" type="slidenum">
+            <a:fld id="{D57F1E4F-1CFF-5643-939E-217C01CDF565}" type="slidenum">
               <a:rPr lang="en-US" smtClean="0"/>
+              <a:pPr/>
               <a:t>15</a:t>
             </a:fld>
             <a:endParaRPr lang="en-US" dirty="0"/>
@@ -8077,7 +8042,7 @@
     </p:spTree>
     <p:extLst>
       <p:ext uri="{BB962C8B-B14F-4D97-AF65-F5344CB8AC3E}">
-        <p14:creationId xmlns:p14="http://schemas.microsoft.com/office/powerpoint/2010/main" val="513234562"/>
+        <p14:creationId xmlns:p14="http://schemas.microsoft.com/office/powerpoint/2010/main" val="735407286"/>
       </p:ext>
     </p:extLst>
   </p:cSld>
@@ -8106,6 +8071,409 @@
       </p:grpSpPr>
       <p:sp>
         <p:nvSpPr>
+          <p:cNvPr id="2" name="标题 1"/>
+          <p:cNvSpPr>
+            <a:spLocks noGrp="1"/>
+          </p:cNvSpPr>
+          <p:nvPr>
+            <p:ph type="title"/>
+          </p:nvPr>
+        </p:nvSpPr>
+        <p:spPr/>
+        <p:txBody>
+          <a:bodyPr/>
+          <a:lstStyle/>
+          <a:p>
+            <a:r>
+              <a:rPr lang="zh-CN" altLang="en-US" dirty="0" smtClean="0"/>
+              <a:t>常见的工业系统组件</a:t>
+            </a:r>
+            <a:endParaRPr lang="zh-CN" altLang="en-US" dirty="0"/>
+          </a:p>
+        </p:txBody>
+      </p:sp>
+      <p:sp>
+        <p:nvSpPr>
+          <p:cNvPr id="7" name="内容占位符 6"/>
+          <p:cNvSpPr>
+            <a:spLocks noGrp="1"/>
+          </p:cNvSpPr>
+          <p:nvPr>
+            <p:ph sz="half" idx="1"/>
+          </p:nvPr>
+        </p:nvSpPr>
+        <p:spPr/>
+        <p:txBody>
+          <a:bodyPr/>
+          <a:lstStyle/>
+          <a:p>
+            <a:pPr marL="0" indent="0" algn="ctr">
+              <a:buNone/>
+            </a:pPr>
+            <a:r>
+              <a:rPr lang="zh-CN" altLang="en-US" dirty="0" smtClean="0"/>
+              <a:t>加工制造设施及设备</a:t>
+            </a:r>
+            <a:endParaRPr lang="en-US" altLang="zh-CN" dirty="0" smtClean="0"/>
+          </a:p>
+          <a:p>
+            <a:r>
+              <a:rPr lang="zh-CN" altLang="en-US" dirty="0" smtClean="0"/>
+              <a:t>材料成型</a:t>
+            </a:r>
+            <a:endParaRPr lang="en-US" altLang="zh-CN" dirty="0" smtClean="0"/>
+          </a:p>
+          <a:p>
+            <a:r>
+              <a:rPr lang="zh-CN" altLang="en-US" dirty="0" smtClean="0"/>
+              <a:t>机械加工</a:t>
+            </a:r>
+            <a:endParaRPr lang="en-US" altLang="zh-CN" dirty="0" smtClean="0"/>
+          </a:p>
+          <a:p>
+            <a:r>
+              <a:rPr lang="zh-CN" altLang="en-US" dirty="0" smtClean="0"/>
+              <a:t>装配工作站</a:t>
+            </a:r>
+            <a:endParaRPr lang="en-US" altLang="zh-CN" dirty="0" smtClean="0"/>
+          </a:p>
+          <a:p>
+            <a:r>
+              <a:rPr lang="en-US" altLang="zh-CN" dirty="0" smtClean="0"/>
+              <a:t>……</a:t>
+            </a:r>
+            <a:endParaRPr lang="en-US" altLang="zh-CN" dirty="0" smtClean="0"/>
+          </a:p>
+        </p:txBody>
+      </p:sp>
+      <p:sp>
+        <p:nvSpPr>
+          <p:cNvPr id="8" name="内容占位符 7"/>
+          <p:cNvSpPr>
+            <a:spLocks noGrp="1"/>
+          </p:cNvSpPr>
+          <p:nvPr>
+            <p:ph sz="half" idx="2"/>
+          </p:nvPr>
+        </p:nvSpPr>
+        <p:spPr/>
+        <p:txBody>
+          <a:bodyPr/>
+          <a:lstStyle/>
+          <a:p>
+            <a:pPr marL="0" indent="0" algn="ctr">
+              <a:buNone/>
+            </a:pPr>
+            <a:r>
+              <a:rPr lang="zh-CN" altLang="en-US" dirty="0" smtClean="0"/>
+              <a:t>配套辅助设施及设备</a:t>
+            </a:r>
+            <a:endParaRPr lang="en-US" altLang="zh-CN" dirty="0" smtClean="0"/>
+          </a:p>
+          <a:p>
+            <a:r>
+              <a:rPr lang="zh-CN" altLang="en-US" dirty="0" smtClean="0"/>
+              <a:t>传送带</a:t>
+            </a:r>
+            <a:endParaRPr lang="en-US" altLang="zh-CN" dirty="0" smtClean="0"/>
+          </a:p>
+          <a:p>
+            <a:r>
+              <a:rPr lang="zh-CN" altLang="en-US" dirty="0" smtClean="0"/>
+              <a:t>工装（夹具）</a:t>
+            </a:r>
+            <a:endParaRPr lang="en-US" altLang="zh-CN" dirty="0" smtClean="0"/>
+          </a:p>
+          <a:p>
+            <a:r>
+              <a:rPr lang="zh-CN" altLang="en-US" dirty="0" smtClean="0"/>
+              <a:t>工业</a:t>
+            </a:r>
+            <a:r>
+              <a:rPr lang="zh-CN" altLang="en-US" dirty="0" smtClean="0"/>
+              <a:t>机器人</a:t>
+            </a:r>
+            <a:endParaRPr lang="en-US" altLang="zh-CN" dirty="0" smtClean="0"/>
+          </a:p>
+          <a:p>
+            <a:r>
+              <a:rPr lang="zh-CN" altLang="en-US" dirty="0" smtClean="0"/>
+              <a:t>货架</a:t>
+            </a:r>
+            <a:endParaRPr lang="en-US" altLang="zh-CN" dirty="0" smtClean="0"/>
+          </a:p>
+          <a:p>
+            <a:r>
+              <a:rPr lang="zh-CN" altLang="en-US" dirty="0" smtClean="0"/>
+              <a:t>叉车</a:t>
+            </a:r>
+            <a:endParaRPr lang="en-US" altLang="zh-CN" dirty="0" smtClean="0"/>
+          </a:p>
+          <a:p>
+            <a:r>
+              <a:rPr lang="zh-CN" altLang="en-US" dirty="0" smtClean="0"/>
+              <a:t>托盘</a:t>
+            </a:r>
+            <a:endParaRPr lang="en-US" altLang="zh-CN" dirty="0" smtClean="0"/>
+          </a:p>
+          <a:p>
+            <a:r>
+              <a:rPr lang="zh-CN" altLang="en-US" dirty="0" smtClean="0"/>
+              <a:t>检测设备</a:t>
+            </a:r>
+            <a:endParaRPr lang="en-US" altLang="zh-CN" dirty="0" smtClean="0"/>
+          </a:p>
+          <a:p>
+            <a:r>
+              <a:rPr lang="zh-CN" altLang="en-US" dirty="0" smtClean="0"/>
+              <a:t>计算机系统</a:t>
+            </a:r>
+            <a:endParaRPr lang="en-US" altLang="zh-CN" dirty="0" smtClean="0"/>
+          </a:p>
+          <a:p>
+            <a:r>
+              <a:rPr lang="en-US" altLang="zh-CN" dirty="0" smtClean="0"/>
+              <a:t>……</a:t>
+            </a:r>
+          </a:p>
+          <a:p>
+            <a:endParaRPr lang="zh-CN" altLang="en-US" dirty="0"/>
+          </a:p>
+        </p:txBody>
+      </p:sp>
+      <p:sp>
+        <p:nvSpPr>
+          <p:cNvPr id="5" name="灯片编号占位符 4"/>
+          <p:cNvSpPr>
+            <a:spLocks noGrp="1"/>
+          </p:cNvSpPr>
+          <p:nvPr>
+            <p:ph type="sldNum" sz="quarter" idx="12"/>
+          </p:nvPr>
+        </p:nvSpPr>
+        <p:spPr/>
+        <p:txBody>
+          <a:bodyPr/>
+          <a:lstStyle/>
+          <a:p>
+            <a:fld id="{6FF9F0C5-380F-41C2-899A-BAC0F0927E16}" type="slidenum">
+              <a:rPr lang="en-US" smtClean="0"/>
+              <a:t>16</a:t>
+            </a:fld>
+            <a:endParaRPr lang="en-US" dirty="0"/>
+          </a:p>
+        </p:txBody>
+      </p:sp>
+    </p:spTree>
+    <p:extLst>
+      <p:ext uri="{BB962C8B-B14F-4D97-AF65-F5344CB8AC3E}">
+        <p14:creationId xmlns:p14="http://schemas.microsoft.com/office/powerpoint/2010/main" val="513234562"/>
+      </p:ext>
+    </p:extLst>
+  </p:cSld>
+  <p:clrMapOvr>
+    <a:masterClrMapping/>
+  </p:clrMapOvr>
+</p:sld>
+</file>
+
+<file path=ppt/slides/slide17.xml><?xml version="1.0" encoding="utf-8"?>
+<p:sld xmlns:a="http://schemas.openxmlformats.org/drawingml/2006/main" xmlns:r="http://schemas.openxmlformats.org/officeDocument/2006/relationships" xmlns:p="http://schemas.openxmlformats.org/presentationml/2006/main">
+  <p:cSld>
+    <p:spTree>
+      <p:nvGrpSpPr>
+        <p:cNvPr id="1" name=""/>
+        <p:cNvGrpSpPr/>
+        <p:nvPr/>
+      </p:nvGrpSpPr>
+      <p:grpSpPr>
+        <a:xfrm>
+          <a:off x="0" y="0"/>
+          <a:ext cx="0" cy="0"/>
+          <a:chOff x="0" y="0"/>
+          <a:chExt cx="0" cy="0"/>
+        </a:xfrm>
+      </p:grpSpPr>
+      <p:sp>
+        <p:nvSpPr>
+          <p:cNvPr id="6" name="Title 5"/>
+          <p:cNvSpPr>
+            <a:spLocks noGrp="1"/>
+          </p:cNvSpPr>
+          <p:nvPr>
+            <p:ph type="title"/>
+          </p:nvPr>
+        </p:nvSpPr>
+        <p:spPr/>
+        <p:txBody>
+          <a:bodyPr/>
+          <a:lstStyle/>
+          <a:p>
+            <a:r>
+              <a:rPr lang="zh-CN" altLang="en-US" dirty="0" smtClean="0"/>
+              <a:t>如何排布组合这些设施？</a:t>
+            </a:r>
+            <a:endParaRPr lang="en-US" dirty="0"/>
+          </a:p>
+        </p:txBody>
+      </p:sp>
+      <p:sp>
+        <p:nvSpPr>
+          <p:cNvPr id="7" name="Content Placeholder 6"/>
+          <p:cNvSpPr>
+            <a:spLocks noGrp="1"/>
+          </p:cNvSpPr>
+          <p:nvPr>
+            <p:ph idx="1"/>
+          </p:nvPr>
+        </p:nvSpPr>
+        <p:spPr/>
+        <p:txBody>
+          <a:bodyPr/>
+          <a:lstStyle/>
+          <a:p>
+            <a:r>
+              <a:rPr lang="zh-CN" altLang="en-US" dirty="0" smtClean="0"/>
+              <a:t>设施布局（</a:t>
+            </a:r>
+            <a:r>
+              <a:rPr lang="en-US" altLang="zh-CN" dirty="0" smtClean="0"/>
+              <a:t>facilities</a:t>
+            </a:r>
+            <a:r>
+              <a:rPr lang="zh-CN" altLang="en-US" dirty="0" smtClean="0"/>
+              <a:t> </a:t>
+            </a:r>
+            <a:r>
+              <a:rPr lang="en-US" altLang="zh-CN" dirty="0" smtClean="0"/>
+              <a:t>layout</a:t>
+            </a:r>
+            <a:r>
+              <a:rPr lang="zh-CN" altLang="en-US" dirty="0" smtClean="0"/>
+              <a:t>）</a:t>
+            </a:r>
+            <a:endParaRPr lang="en-US" dirty="0" smtClean="0"/>
+          </a:p>
+          <a:p>
+            <a:r>
+              <a:rPr lang="zh-CN" altLang="en-US" dirty="0" smtClean="0"/>
+              <a:t>基本环节</a:t>
+            </a:r>
+            <a:endParaRPr lang="en-US" altLang="zh-CN" dirty="0"/>
+          </a:p>
+          <a:p>
+            <a:pPr lvl="1"/>
+            <a:r>
+              <a:rPr lang="zh-CN" altLang="en-US" dirty="0" smtClean="0"/>
+              <a:t>原材料</a:t>
+            </a:r>
+            <a:r>
+              <a:rPr lang="en-US" altLang="zh-CN" dirty="0" smtClean="0"/>
+              <a:t>——</a:t>
+            </a:r>
+            <a:r>
+              <a:rPr lang="zh-CN" altLang="en-US" dirty="0" smtClean="0"/>
+              <a:t>原材料仓储</a:t>
+            </a:r>
+            <a:endParaRPr lang="en-US" altLang="zh-CN" dirty="0" smtClean="0"/>
+          </a:p>
+          <a:p>
+            <a:pPr lvl="1"/>
+            <a:r>
+              <a:rPr lang="zh-CN" altLang="en-US" dirty="0" smtClean="0"/>
+              <a:t>物料配送</a:t>
+            </a:r>
+            <a:endParaRPr lang="en-US" altLang="zh-CN" dirty="0" smtClean="0"/>
+          </a:p>
+          <a:p>
+            <a:pPr lvl="1"/>
+            <a:r>
+              <a:rPr lang="zh-CN" altLang="en-US" dirty="0" smtClean="0"/>
+              <a:t>在制品库存</a:t>
+            </a:r>
+            <a:endParaRPr lang="en-US" altLang="zh-CN" dirty="0" smtClean="0"/>
+          </a:p>
+          <a:p>
+            <a:pPr lvl="1"/>
+            <a:r>
+              <a:rPr lang="zh-CN" altLang="en-US" dirty="0" smtClean="0"/>
+              <a:t>加工制造、装配</a:t>
+            </a:r>
+            <a:endParaRPr lang="en-US" altLang="zh-CN" dirty="0" smtClean="0"/>
+          </a:p>
+          <a:p>
+            <a:pPr lvl="1"/>
+            <a:r>
+              <a:rPr lang="zh-CN" altLang="en-US" dirty="0" smtClean="0"/>
+              <a:t>检测与质量检验</a:t>
+            </a:r>
+            <a:endParaRPr lang="en-US" altLang="zh-CN" dirty="0" smtClean="0"/>
+          </a:p>
+          <a:p>
+            <a:pPr lvl="1"/>
+            <a:r>
+              <a:rPr lang="zh-CN" altLang="en-US" dirty="0" smtClean="0"/>
+              <a:t>成品库存</a:t>
+            </a:r>
+            <a:endParaRPr lang="en-US" altLang="zh-CN" dirty="0" smtClean="0"/>
+          </a:p>
+        </p:txBody>
+      </p:sp>
+      <p:sp>
+        <p:nvSpPr>
+          <p:cNvPr id="5" name="Slide Number Placeholder 4"/>
+          <p:cNvSpPr>
+            <a:spLocks noGrp="1"/>
+          </p:cNvSpPr>
+          <p:nvPr>
+            <p:ph type="sldNum" sz="quarter" idx="12"/>
+          </p:nvPr>
+        </p:nvSpPr>
+        <p:spPr/>
+        <p:txBody>
+          <a:bodyPr/>
+          <a:lstStyle/>
+          <a:p>
+            <a:fld id="{6FF9F0C5-380F-41C2-899A-BAC0F0927E16}" type="slidenum">
+              <a:rPr lang="en-US" smtClean="0"/>
+              <a:t>17</a:t>
+            </a:fld>
+            <a:endParaRPr lang="en-US" dirty="0"/>
+          </a:p>
+        </p:txBody>
+      </p:sp>
+    </p:spTree>
+    <p:extLst>
+      <p:ext uri="{BB962C8B-B14F-4D97-AF65-F5344CB8AC3E}">
+        <p14:creationId xmlns:p14="http://schemas.microsoft.com/office/powerpoint/2010/main" val="1077271651"/>
+      </p:ext>
+    </p:extLst>
+  </p:cSld>
+  <p:clrMapOvr>
+    <a:masterClrMapping/>
+  </p:clrMapOvr>
+</p:sld>
+</file>
+
+<file path=ppt/slides/slide18.xml><?xml version="1.0" encoding="utf-8"?>
+<p:sld xmlns:a="http://schemas.openxmlformats.org/drawingml/2006/main" xmlns:r="http://schemas.openxmlformats.org/officeDocument/2006/relationships" xmlns:p="http://schemas.openxmlformats.org/presentationml/2006/main">
+  <p:cSld>
+    <p:spTree>
+      <p:nvGrpSpPr>
+        <p:cNvPr id="1" name=""/>
+        <p:cNvGrpSpPr/>
+        <p:nvPr/>
+      </p:nvGrpSpPr>
+      <p:grpSpPr>
+        <a:xfrm>
+          <a:off x="0" y="0"/>
+          <a:ext cx="0" cy="0"/>
+          <a:chOff x="0" y="0"/>
+          <a:chExt cx="0" cy="0"/>
+        </a:xfrm>
+      </p:grpSpPr>
+      <p:sp>
+        <p:nvSpPr>
           <p:cNvPr id="2" name="Title 1"/>
           <p:cNvSpPr>
             <a:spLocks noGrp="1"/>
@@ -8120,8 +8488,8 @@
           <a:lstStyle/>
           <a:p>
             <a:r>
-              <a:rPr lang="zh-CN" altLang="en-US" dirty="0" smtClean="0"/>
-              <a:t>本周作业</a:t>
+              <a:rPr lang="zh-CN" altLang="en-US" dirty="0"/>
+              <a:t>如何排布组合这些设施？</a:t>
             </a:r>
             <a:endParaRPr lang="en-US" dirty="0"/>
           </a:p>
@@ -8142,6 +8510,10 @@
           <a:bodyPr/>
           <a:lstStyle/>
           <a:p>
+            <a:r>
+              <a:rPr lang="zh-CN" altLang="en-US" dirty="0" smtClean="0"/>
+              <a:t>根据</a:t>
+            </a:r>
             <a:endParaRPr lang="en-US" dirty="0"/>
           </a:p>
         </p:txBody>
@@ -8164,7 +8536,7 @@
             <a:fld id="{D57F1E4F-1CFF-5643-939E-217C01CDF565}" type="slidenum">
               <a:rPr lang="en-US" smtClean="0"/>
               <a:pPr/>
-              <a:t>16</a:t>
+              <a:t>18</a:t>
             </a:fld>
             <a:endParaRPr lang="en-US" dirty="0"/>
           </a:p>
@@ -8173,7 +8545,317 @@
     </p:spTree>
     <p:extLst>
       <p:ext uri="{BB962C8B-B14F-4D97-AF65-F5344CB8AC3E}">
-        <p14:creationId xmlns:p14="http://schemas.microsoft.com/office/powerpoint/2010/main" val="2077140465"/>
+        <p14:creationId xmlns:p14="http://schemas.microsoft.com/office/powerpoint/2010/main" val="647878043"/>
+      </p:ext>
+    </p:extLst>
+  </p:cSld>
+  <p:clrMapOvr>
+    <a:masterClrMapping/>
+  </p:clrMapOvr>
+</p:sld>
+</file>
+
+<file path=ppt/slides/slide19.xml><?xml version="1.0" encoding="utf-8"?>
+<p:sld xmlns:a="http://schemas.openxmlformats.org/drawingml/2006/main" xmlns:r="http://schemas.openxmlformats.org/officeDocument/2006/relationships" xmlns:p="http://schemas.openxmlformats.org/presentationml/2006/main">
+  <p:cSld>
+    <p:spTree>
+      <p:nvGrpSpPr>
+        <p:cNvPr id="1" name=""/>
+        <p:cNvGrpSpPr/>
+        <p:nvPr/>
+      </p:nvGrpSpPr>
+      <p:grpSpPr>
+        <a:xfrm>
+          <a:off x="0" y="0"/>
+          <a:ext cx="0" cy="0"/>
+          <a:chOff x="0" y="0"/>
+          <a:chExt cx="0" cy="0"/>
+        </a:xfrm>
+      </p:grpSpPr>
+      <p:sp>
+        <p:nvSpPr>
+          <p:cNvPr id="8" name="Title 7"/>
+          <p:cNvSpPr>
+            <a:spLocks noGrp="1"/>
+          </p:cNvSpPr>
+          <p:nvPr>
+            <p:ph type="title"/>
+          </p:nvPr>
+        </p:nvSpPr>
+        <p:spPr/>
+        <p:txBody>
+          <a:bodyPr/>
+          <a:lstStyle/>
+          <a:p>
+            <a:r>
+              <a:rPr lang="zh-CN" altLang="en-US" dirty="0" smtClean="0"/>
+              <a:t>参考资料</a:t>
+            </a:r>
+            <a:endParaRPr lang="en-US" dirty="0"/>
+          </a:p>
+        </p:txBody>
+      </p:sp>
+      <p:sp>
+        <p:nvSpPr>
+          <p:cNvPr id="9" name="Content Placeholder 8"/>
+          <p:cNvSpPr>
+            <a:spLocks noGrp="1"/>
+          </p:cNvSpPr>
+          <p:nvPr>
+            <p:ph idx="1"/>
+          </p:nvPr>
+        </p:nvSpPr>
+        <p:spPr/>
+        <p:txBody>
+          <a:bodyPr>
+            <a:normAutofit/>
+          </a:bodyPr>
+          <a:lstStyle/>
+          <a:p>
+            <a:pPr>
+              <a:lnSpc>
+                <a:spcPct val="150000"/>
+              </a:lnSpc>
+            </a:pPr>
+            <a:r>
+              <a:rPr lang="zh-CN" altLang="en-US" sz="1600" dirty="0"/>
+              <a:t>制造工程与技术，</a:t>
+            </a:r>
+            <a:r>
+              <a:rPr lang="en-US" altLang="zh-CN" sz="1600" dirty="0"/>
+              <a:t>S. </a:t>
+            </a:r>
+            <a:r>
+              <a:rPr lang="en-US" altLang="zh-CN" sz="1600" dirty="0" err="1"/>
+              <a:t>Kalpakjian</a:t>
+            </a:r>
+            <a:r>
+              <a:rPr lang="zh-CN" altLang="en-US" sz="1600" dirty="0"/>
+              <a:t>，</a:t>
+            </a:r>
+            <a:r>
+              <a:rPr lang="en-US" altLang="zh-CN" sz="1600" dirty="0"/>
+              <a:t>S.R. </a:t>
+            </a:r>
+            <a:r>
+              <a:rPr lang="en-US" altLang="zh-CN" sz="1600" dirty="0" err="1"/>
+              <a:t>Schmid</a:t>
+            </a:r>
+            <a:r>
+              <a:rPr lang="zh-CN" altLang="en-US" sz="1600" dirty="0"/>
+              <a:t>，清华大学</a:t>
+            </a:r>
+            <a:r>
+              <a:rPr lang="zh-CN" altLang="en-US" sz="1600" dirty="0" smtClean="0"/>
+              <a:t>出版社</a:t>
+            </a:r>
+            <a:endParaRPr lang="zh-CN" altLang="en-US" sz="1600" dirty="0"/>
+          </a:p>
+          <a:p>
+            <a:pPr>
+              <a:lnSpc>
+                <a:spcPct val="150000"/>
+              </a:lnSpc>
+            </a:pPr>
+            <a:r>
+              <a:rPr lang="zh-CN" altLang="en-US" sz="1600" dirty="0"/>
+              <a:t>工厂物理学</a:t>
+            </a:r>
+            <a:r>
+              <a:rPr lang="en-US" altLang="zh-CN" sz="1600" dirty="0"/>
+              <a:t>——</a:t>
+            </a:r>
+            <a:r>
+              <a:rPr lang="zh-CN" altLang="en-US" sz="1600" dirty="0"/>
+              <a:t>制造企业管理</a:t>
+            </a:r>
+            <a:r>
+              <a:rPr lang="zh-CN" altLang="en-US" sz="1600" dirty="0" smtClean="0"/>
+              <a:t>基础，</a:t>
+            </a:r>
+            <a:r>
+              <a:rPr lang="en-US" altLang="zh-CN" sz="1600" dirty="0" smtClean="0"/>
+              <a:t>W.J</a:t>
+            </a:r>
+            <a:r>
+              <a:rPr lang="en-US" altLang="zh-CN" sz="1600" dirty="0"/>
+              <a:t>. </a:t>
+            </a:r>
+            <a:r>
+              <a:rPr lang="en-US" altLang="zh-CN" sz="1600" dirty="0" err="1" smtClean="0"/>
+              <a:t>Hopp</a:t>
+            </a:r>
+            <a:r>
+              <a:rPr lang="zh-CN" altLang="en-US" sz="1600" dirty="0" smtClean="0"/>
+              <a:t>，</a:t>
+            </a:r>
+            <a:r>
+              <a:rPr lang="en-US" altLang="zh-CN" sz="1600" dirty="0" smtClean="0"/>
+              <a:t>M.L</a:t>
+            </a:r>
+            <a:r>
+              <a:rPr lang="en-US" altLang="zh-CN" sz="1600" dirty="0"/>
+              <a:t>. </a:t>
+            </a:r>
+            <a:r>
+              <a:rPr lang="en-US" altLang="zh-CN" sz="1600" dirty="0" smtClean="0"/>
+              <a:t>Spearman</a:t>
+            </a:r>
+            <a:r>
+              <a:rPr lang="zh-CN" altLang="en-US" sz="1600" dirty="0" smtClean="0"/>
+              <a:t>，清华大学出版社</a:t>
+            </a:r>
+            <a:endParaRPr lang="zh-CN" altLang="en-US" sz="1600" dirty="0"/>
+          </a:p>
+          <a:p>
+            <a:pPr>
+              <a:lnSpc>
+                <a:spcPct val="150000"/>
+              </a:lnSpc>
+            </a:pPr>
+            <a:r>
+              <a:rPr lang="zh-CN" altLang="en-US" sz="1600" dirty="0"/>
+              <a:t>生产与运作分析，</a:t>
+            </a:r>
+            <a:r>
+              <a:rPr lang="en-US" altLang="zh-CN" sz="1600" dirty="0"/>
+              <a:t>S. </a:t>
+            </a:r>
+            <a:r>
+              <a:rPr lang="en-US" altLang="zh-CN" sz="1600" dirty="0" err="1"/>
+              <a:t>Nahmias</a:t>
+            </a:r>
+            <a:r>
+              <a:rPr lang="zh-CN" altLang="en-US" sz="1600" dirty="0"/>
+              <a:t>，清华大学</a:t>
+            </a:r>
+            <a:r>
+              <a:rPr lang="zh-CN" altLang="en-US" sz="1600" dirty="0" smtClean="0"/>
+              <a:t>出版社</a:t>
+            </a:r>
+            <a:endParaRPr lang="zh-CN" altLang="en-US" sz="1600" dirty="0"/>
+          </a:p>
+          <a:p>
+            <a:pPr>
+              <a:lnSpc>
+                <a:spcPct val="150000"/>
+              </a:lnSpc>
+            </a:pPr>
+            <a:r>
+              <a:rPr lang="zh-CN" altLang="en-US" sz="1600" dirty="0"/>
+              <a:t>方法、标准与作业设计， </a:t>
+            </a:r>
+            <a:r>
+              <a:rPr lang="en-US" altLang="zh-CN" sz="1600" dirty="0"/>
+              <a:t>B. </a:t>
+            </a:r>
+            <a:r>
+              <a:rPr lang="en-US" altLang="zh-CN" sz="1600" dirty="0" err="1"/>
+              <a:t>Niebel</a:t>
+            </a:r>
+            <a:r>
+              <a:rPr lang="zh-CN" altLang="en-US" sz="1600" dirty="0"/>
+              <a:t>，</a:t>
+            </a:r>
+            <a:r>
+              <a:rPr lang="en-US" altLang="zh-CN" sz="1600" dirty="0"/>
+              <a:t>A. </a:t>
+            </a:r>
+            <a:r>
+              <a:rPr lang="en-US" altLang="zh-CN" sz="1600" dirty="0" err="1"/>
+              <a:t>Freivalds</a:t>
+            </a:r>
+            <a:r>
+              <a:rPr lang="zh-CN" altLang="en-US" sz="1600" dirty="0"/>
+              <a:t>，清华大学</a:t>
+            </a:r>
+            <a:r>
+              <a:rPr lang="zh-CN" altLang="en-US" sz="1600" dirty="0" smtClean="0"/>
+              <a:t>出版社</a:t>
+            </a:r>
+            <a:endParaRPr lang="zh-CN" altLang="en-US" sz="1600" dirty="0"/>
+          </a:p>
+          <a:p>
+            <a:pPr>
+              <a:lnSpc>
+                <a:spcPct val="150000"/>
+              </a:lnSpc>
+            </a:pPr>
+            <a:r>
+              <a:rPr lang="zh-CN" altLang="en-US" sz="1600" dirty="0"/>
+              <a:t>自动化、生产系统与计算机集成制造，</a:t>
+            </a:r>
+            <a:r>
+              <a:rPr lang="en-US" altLang="zh-CN" sz="1600" dirty="0"/>
+              <a:t>M.P. </a:t>
+            </a:r>
+            <a:r>
+              <a:rPr lang="en-US" altLang="zh-CN" sz="1600" dirty="0" err="1"/>
+              <a:t>Groover</a:t>
+            </a:r>
+            <a:r>
+              <a:rPr lang="zh-CN" altLang="en-US" sz="1600" dirty="0"/>
+              <a:t>，清华大学</a:t>
+            </a:r>
+            <a:r>
+              <a:rPr lang="zh-CN" altLang="en-US" sz="1600" dirty="0" smtClean="0"/>
+              <a:t>出版社</a:t>
+            </a:r>
+            <a:endParaRPr lang="zh-CN" altLang="en-US" sz="1600" dirty="0"/>
+          </a:p>
+          <a:p>
+            <a:pPr>
+              <a:lnSpc>
+                <a:spcPct val="150000"/>
+              </a:lnSpc>
+            </a:pPr>
+            <a:r>
+              <a:rPr lang="zh-CN" altLang="en-US" sz="1600" dirty="0"/>
+              <a:t>仿真建模与分析，</a:t>
+            </a:r>
+            <a:r>
+              <a:rPr lang="en-US" altLang="zh-CN" sz="1600" dirty="0"/>
+              <a:t>A.M. Law</a:t>
+            </a:r>
+            <a:r>
+              <a:rPr lang="zh-CN" altLang="en-US" sz="1600" dirty="0"/>
+              <a:t>，清华大学</a:t>
+            </a:r>
+            <a:r>
+              <a:rPr lang="zh-CN" altLang="en-US" sz="1600" dirty="0" smtClean="0"/>
+              <a:t>出版社</a:t>
+            </a:r>
+            <a:endParaRPr lang="zh-CN" altLang="en-US" sz="1600" dirty="0"/>
+          </a:p>
+        </p:txBody>
+      </p:sp>
+      <p:sp>
+        <p:nvSpPr>
+          <p:cNvPr id="5" name="Slide Number Placeholder 4"/>
+          <p:cNvSpPr>
+            <a:spLocks noGrp="1"/>
+          </p:cNvSpPr>
+          <p:nvPr>
+            <p:ph type="sldNum" sz="quarter" idx="12"/>
+          </p:nvPr>
+        </p:nvSpPr>
+        <p:spPr/>
+        <p:txBody>
+          <a:bodyPr/>
+          <a:lstStyle/>
+          <a:p>
+            <a:fld id="{6FF9F0C5-380F-41C2-899A-BAC0F0927E16}" type="slidenum">
+              <a:rPr lang="en-US" smtClean="0"/>
+              <a:t>19</a:t>
+            </a:fld>
+            <a:endParaRPr lang="en-US" dirty="0"/>
+          </a:p>
+        </p:txBody>
+      </p:sp>
+    </p:spTree>
+    <p:extLst>
+      <p:ext uri="{BB962C8B-B14F-4D97-AF65-F5344CB8AC3E}">
+        <p14:creationId xmlns:p14="http://schemas.microsoft.com/office/powerpoint/2010/main" val="260004620"/>
       </p:ext>
     </p:extLst>
   </p:cSld>
@@ -8390,6 +9072,102 @@
     <p:extLst>
       <p:ext uri="{BB962C8B-B14F-4D97-AF65-F5344CB8AC3E}">
         <p14:creationId xmlns:p14="http://schemas.microsoft.com/office/powerpoint/2010/main" val="585759418"/>
+      </p:ext>
+    </p:extLst>
+  </p:cSld>
+  <p:clrMapOvr>
+    <a:masterClrMapping/>
+  </p:clrMapOvr>
+</p:sld>
+</file>
+
+<file path=ppt/slides/slide20.xml><?xml version="1.0" encoding="utf-8"?>
+<p:sld xmlns:a="http://schemas.openxmlformats.org/drawingml/2006/main" xmlns:r="http://schemas.openxmlformats.org/officeDocument/2006/relationships" xmlns:p="http://schemas.openxmlformats.org/presentationml/2006/main">
+  <p:cSld>
+    <p:spTree>
+      <p:nvGrpSpPr>
+        <p:cNvPr id="1" name=""/>
+        <p:cNvGrpSpPr/>
+        <p:nvPr/>
+      </p:nvGrpSpPr>
+      <p:grpSpPr>
+        <a:xfrm>
+          <a:off x="0" y="0"/>
+          <a:ext cx="0" cy="0"/>
+          <a:chOff x="0" y="0"/>
+          <a:chExt cx="0" cy="0"/>
+        </a:xfrm>
+      </p:grpSpPr>
+      <p:sp>
+        <p:nvSpPr>
+          <p:cNvPr id="2" name="Title 1"/>
+          <p:cNvSpPr>
+            <a:spLocks noGrp="1"/>
+          </p:cNvSpPr>
+          <p:nvPr>
+            <p:ph type="title"/>
+          </p:nvPr>
+        </p:nvSpPr>
+        <p:spPr/>
+        <p:txBody>
+          <a:bodyPr/>
+          <a:lstStyle/>
+          <a:p>
+            <a:r>
+              <a:rPr lang="zh-CN" altLang="en-US" dirty="0" smtClean="0"/>
+              <a:t>本周作业</a:t>
+            </a:r>
+            <a:endParaRPr lang="en-US" dirty="0"/>
+          </a:p>
+        </p:txBody>
+      </p:sp>
+      <p:sp>
+        <p:nvSpPr>
+          <p:cNvPr id="3" name="Content Placeholder 2"/>
+          <p:cNvSpPr>
+            <a:spLocks noGrp="1"/>
+          </p:cNvSpPr>
+          <p:nvPr>
+            <p:ph idx="1"/>
+          </p:nvPr>
+        </p:nvSpPr>
+        <p:spPr/>
+        <p:txBody>
+          <a:bodyPr/>
+          <a:lstStyle/>
+          <a:p>
+            <a:endParaRPr lang="en-US" dirty="0"/>
+          </a:p>
+        </p:txBody>
+      </p:sp>
+      <p:sp>
+        <p:nvSpPr>
+          <p:cNvPr id="4" name="Slide Number Placeholder 3"/>
+          <p:cNvSpPr>
+            <a:spLocks noGrp="1"/>
+          </p:cNvSpPr>
+          <p:nvPr>
+            <p:ph type="sldNum" sz="quarter" idx="12"/>
+          </p:nvPr>
+        </p:nvSpPr>
+        <p:spPr/>
+        <p:txBody>
+          <a:bodyPr/>
+          <a:lstStyle/>
+          <a:p>
+            <a:fld id="{D57F1E4F-1CFF-5643-939E-217C01CDF565}" type="slidenum">
+              <a:rPr lang="en-US" smtClean="0"/>
+              <a:pPr/>
+              <a:t>20</a:t>
+            </a:fld>
+            <a:endParaRPr lang="en-US" dirty="0"/>
+          </a:p>
+        </p:txBody>
+      </p:sp>
+    </p:spTree>
+    <p:extLst>
+      <p:ext uri="{BB962C8B-B14F-4D97-AF65-F5344CB8AC3E}">
+        <p14:creationId xmlns:p14="http://schemas.microsoft.com/office/powerpoint/2010/main" val="2077140465"/>
       </p:ext>
     </p:extLst>
   </p:cSld>
@@ -10351,7 +11129,7 @@
         <a:sysClr val="windowText" lastClr="000000"/>
       </a:dk1>
       <a:lt1>
-        <a:sysClr val="window" lastClr="F0FFC8"/>
+        <a:sysClr val="window" lastClr="FFFFFF"/>
       </a:lt1>
       <a:dk2>
         <a:srgbClr val="2C3C43"/>
@@ -10608,7 +11386,7 @@
         <a:sysClr val="windowText" lastClr="000000"/>
       </a:dk1>
       <a:lt1>
-        <a:sysClr val="window" lastClr="F0FFC8"/>
+        <a:sysClr val="window" lastClr="FFFFFF"/>
       </a:lt1>
       <a:dk2>
         <a:srgbClr val="44546A"/>
